--- a/ppt2.pptx
+++ b/ppt2.pptx
@@ -7,8 +7,17 @@
   <p:sldIdLst>
     <p:sldId id="256" r:id="rId3"/>
     <p:sldId id="258" r:id="rId4"/>
-    <p:sldId id="260" r:id="rId5"/>
-    <p:sldId id="259" r:id="rId6"/>
+    <p:sldId id="262" r:id="rId5"/>
+    <p:sldId id="274" r:id="rId6"/>
+    <p:sldId id="276" r:id="rId7"/>
+    <p:sldId id="275" r:id="rId8"/>
+    <p:sldId id="268" r:id="rId9"/>
+    <p:sldId id="265" r:id="rId10"/>
+    <p:sldId id="266" r:id="rId11"/>
+    <p:sldId id="263" r:id="rId12"/>
+    <p:sldId id="260" r:id="rId13"/>
+    <p:sldId id="259" r:id="rId14"/>
+    <p:sldId id="277" r:id="rId15"/>
   </p:sldIdLst>
   <p:sldSz cx="12192000" cy="6858000"/>
   <p:notesSz cx="6858000" cy="9144000"/>
@@ -2789,6 +2798,725 @@
 </p:sld>
 </file>
 
+<file path=ppt/slides/slide10.xml><?xml version="1.0" encoding="utf-8"?>
+<p:sld xmlns:a="http://schemas.openxmlformats.org/drawingml/2006/main" xmlns:r="http://schemas.openxmlformats.org/officeDocument/2006/relationships" xmlns:p="http://schemas.openxmlformats.org/presentationml/2006/main">
+  <p:cSld>
+    <p:bg>
+      <p:bgPr>
+        <a:blipFill rotWithShape="1">
+          <a:blip r:embed="rId1"/>
+          <a:stretch>
+            <a:fillRect/>
+          </a:stretch>
+        </a:blipFill>
+        <a:effectLst/>
+      </p:bgPr>
+    </p:bg>
+    <p:spTree>
+      <p:nvGrpSpPr>
+        <p:cNvPr id="1" name=""/>
+        <p:cNvGrpSpPr/>
+        <p:nvPr/>
+      </p:nvGrpSpPr>
+      <p:grpSpPr/>
+      <p:pic>
+        <p:nvPicPr>
+          <p:cNvPr id="5" name="图片 4" descr="QQ图片20160421200747"/>
+          <p:cNvPicPr>
+            <a:picLocks noChangeAspect="1"/>
+          </p:cNvPicPr>
+          <p:nvPr/>
+        </p:nvPicPr>
+        <p:blipFill>
+          <a:blip r:embed="rId2"/>
+          <a:stretch>
+            <a:fillRect/>
+          </a:stretch>
+        </p:blipFill>
+        <p:spPr>
+          <a:xfrm>
+            <a:off x="3646170" y="435610"/>
+            <a:ext cx="8192770" cy="5565775"/>
+          </a:xfrm>
+          <a:prstGeom prst="rect">
+            <a:avLst/>
+          </a:prstGeom>
+        </p:spPr>
+      </p:pic>
+      <p:sp>
+        <p:nvSpPr>
+          <p:cNvPr id="6" name="文本框 5"/>
+          <p:cNvSpPr txBox="1"/>
+          <p:nvPr/>
+        </p:nvSpPr>
+        <p:spPr>
+          <a:xfrm>
+            <a:off x="1234440" y="711200"/>
+            <a:ext cx="3388360" cy="767715"/>
+          </a:xfrm>
+          <a:prstGeom prst="rect">
+            <a:avLst/>
+          </a:prstGeom>
+          <a:noFill/>
+        </p:spPr>
+        <p:txBody>
+          <a:bodyPr wrap="square" rtlCol="0">
+            <a:spAutoFit/>
+          </a:bodyPr>
+          <a:p>
+            <a:r>
+              <a:rPr lang="en-US" altLang="zh-CN" sz="4400"/>
+              <a:t>Trello</a:t>
+            </a:r>
+            <a:endParaRPr lang="en-US" altLang="zh-CN" sz="4400"/>
+          </a:p>
+        </p:txBody>
+      </p:sp>
+      <p:pic>
+        <p:nvPicPr>
+          <p:cNvPr id="9" name="图片 8" descr="Trello-Logo"/>
+          <p:cNvPicPr>
+            <a:picLocks noChangeAspect="1"/>
+          </p:cNvPicPr>
+          <p:nvPr/>
+        </p:nvPicPr>
+        <p:blipFill>
+          <a:blip r:embed="rId3"/>
+          <a:stretch>
+            <a:fillRect/>
+          </a:stretch>
+        </p:blipFill>
+        <p:spPr>
+          <a:xfrm>
+            <a:off x="1241425" y="1750695"/>
+            <a:ext cx="1697990" cy="558800"/>
+          </a:xfrm>
+          <a:prstGeom prst="rect">
+            <a:avLst/>
+          </a:prstGeom>
+        </p:spPr>
+      </p:pic>
+      <p:sp>
+        <p:nvSpPr>
+          <p:cNvPr id="10" name="五角星 9"/>
+          <p:cNvSpPr/>
+          <p:nvPr/>
+        </p:nvSpPr>
+        <p:spPr>
+          <a:xfrm>
+            <a:off x="1378585" y="2642235"/>
+            <a:ext cx="463550" cy="395605"/>
+          </a:xfrm>
+          <a:prstGeom prst="star5">
+            <a:avLst>
+              <a:gd name="adj" fmla="val 19075"/>
+              <a:gd name="hf" fmla="val 105146"/>
+              <a:gd name="vf" fmla="val 110557"/>
+            </a:avLst>
+          </a:prstGeom>
+          <a:solidFill>
+            <a:srgbClr val="FFCC66"/>
+          </a:solidFill>
+        </p:spPr>
+        <p:style>
+          <a:lnRef idx="3">
+            <a:schemeClr val="lt1"/>
+          </a:lnRef>
+          <a:fillRef idx="1">
+            <a:schemeClr val="accent4"/>
+          </a:fillRef>
+          <a:effectRef idx="1">
+            <a:schemeClr val="accent4"/>
+          </a:effectRef>
+          <a:fontRef idx="minor">
+            <a:schemeClr val="lt1"/>
+          </a:fontRef>
+        </p:style>
+        <p:txBody>
+          <a:bodyPr rtlCol="0" anchor="ctr"/>
+          <a:p>
+            <a:pPr algn="ctr"/>
+            <a:endParaRPr lang="zh-CN" altLang="en-US"/>
+          </a:p>
+        </p:txBody>
+      </p:sp>
+      <p:sp>
+        <p:nvSpPr>
+          <p:cNvPr id="12" name="五角星 11"/>
+          <p:cNvSpPr/>
+          <p:nvPr/>
+        </p:nvSpPr>
+        <p:spPr>
+          <a:xfrm>
+            <a:off x="1913255" y="2635250"/>
+            <a:ext cx="463550" cy="395605"/>
+          </a:xfrm>
+          <a:prstGeom prst="star5">
+            <a:avLst>
+              <a:gd name="adj" fmla="val 19075"/>
+              <a:gd name="hf" fmla="val 105146"/>
+              <a:gd name="vf" fmla="val 110557"/>
+            </a:avLst>
+          </a:prstGeom>
+          <a:solidFill>
+            <a:srgbClr val="FFCC66"/>
+          </a:solidFill>
+        </p:spPr>
+        <p:style>
+          <a:lnRef idx="3">
+            <a:schemeClr val="lt1"/>
+          </a:lnRef>
+          <a:fillRef idx="1">
+            <a:schemeClr val="accent4"/>
+          </a:fillRef>
+          <a:effectRef idx="1">
+            <a:schemeClr val="accent4"/>
+          </a:effectRef>
+          <a:fontRef idx="minor">
+            <a:schemeClr val="lt1"/>
+          </a:fontRef>
+        </p:style>
+        <p:txBody>
+          <a:bodyPr rtlCol="0" anchor="ctr"/>
+          <a:p>
+            <a:pPr algn="ctr"/>
+            <a:endParaRPr lang="zh-CN" altLang="en-US"/>
+          </a:p>
+        </p:txBody>
+      </p:sp>
+      <p:sp>
+        <p:nvSpPr>
+          <p:cNvPr id="13" name="五角星 12"/>
+          <p:cNvSpPr/>
+          <p:nvPr/>
+        </p:nvSpPr>
+        <p:spPr>
+          <a:xfrm>
+            <a:off x="2444750" y="2636520"/>
+            <a:ext cx="463550" cy="395605"/>
+          </a:xfrm>
+          <a:prstGeom prst="star5">
+            <a:avLst>
+              <a:gd name="adj" fmla="val 19075"/>
+              <a:gd name="hf" fmla="val 105146"/>
+              <a:gd name="vf" fmla="val 110557"/>
+            </a:avLst>
+          </a:prstGeom>
+          <a:solidFill>
+            <a:srgbClr val="FFCC66"/>
+          </a:solidFill>
+        </p:spPr>
+        <p:style>
+          <a:lnRef idx="3">
+            <a:schemeClr val="lt1"/>
+          </a:lnRef>
+          <a:fillRef idx="1">
+            <a:schemeClr val="accent4"/>
+          </a:fillRef>
+          <a:effectRef idx="1">
+            <a:schemeClr val="accent4"/>
+          </a:effectRef>
+          <a:fontRef idx="minor">
+            <a:schemeClr val="lt1"/>
+          </a:fontRef>
+        </p:style>
+        <p:txBody>
+          <a:bodyPr rtlCol="0" anchor="ctr"/>
+          <a:p>
+            <a:pPr algn="ctr"/>
+            <a:endParaRPr lang="zh-CN" altLang="en-US"/>
+          </a:p>
+        </p:txBody>
+      </p:sp>
+      <p:sp>
+        <p:nvSpPr>
+          <p:cNvPr id="7" name="文本框 6"/>
+          <p:cNvSpPr txBox="1"/>
+          <p:nvPr/>
+        </p:nvSpPr>
+        <p:spPr>
+          <a:xfrm>
+            <a:off x="743585" y="3818890"/>
+            <a:ext cx="2982595" cy="2654935"/>
+          </a:xfrm>
+          <a:prstGeom prst="rect">
+            <a:avLst/>
+          </a:prstGeom>
+          <a:noFill/>
+        </p:spPr>
+        <p:txBody>
+          <a:bodyPr wrap="square" rtlCol="0">
+            <a:spAutoFit/>
+          </a:bodyPr>
+          <a:p>
+            <a:r>
+              <a:rPr lang="en-US" altLang="zh-CN" sz="2400"/>
+              <a:t>Trello was an okay application to track our progress of the project, but it was easy to lose track of what things need to get done.</a:t>
+            </a:r>
+            <a:endParaRPr lang="en-US" altLang="zh-CN" sz="2400"/>
+          </a:p>
+        </p:txBody>
+      </p:sp>
+      <p:sp>
+        <p:nvSpPr>
+          <p:cNvPr id="14" name="文本框 13"/>
+          <p:cNvSpPr txBox="1"/>
+          <p:nvPr/>
+        </p:nvSpPr>
+        <p:spPr>
+          <a:xfrm>
+            <a:off x="1195070" y="3249930"/>
+            <a:ext cx="1931035" cy="460375"/>
+          </a:xfrm>
+          <a:prstGeom prst="rect">
+            <a:avLst/>
+          </a:prstGeom>
+          <a:noFill/>
+        </p:spPr>
+        <p:txBody>
+          <a:bodyPr wrap="square" rtlCol="0">
+            <a:spAutoFit/>
+          </a:bodyPr>
+          <a:p>
+            <a:r>
+              <a:rPr lang="en-US" altLang="zh-CN" sz="2400"/>
+              <a:t>Team tracker</a:t>
+            </a:r>
+            <a:endParaRPr lang="en-US" altLang="zh-CN" sz="2400"/>
+          </a:p>
+        </p:txBody>
+      </p:sp>
+    </p:spTree>
+  </p:cSld>
+  <p:clrMapOvr>
+    <a:masterClrMapping/>
+  </p:clrMapOvr>
+</p:sld>
+</file>
+
+<file path=ppt/slides/slide11.xml><?xml version="1.0" encoding="utf-8"?>
+<p:sld xmlns:a="http://schemas.openxmlformats.org/drawingml/2006/main" xmlns:r="http://schemas.openxmlformats.org/officeDocument/2006/relationships" xmlns:p="http://schemas.openxmlformats.org/presentationml/2006/main">
+  <p:cSld>
+    <p:bg>
+      <p:bgPr>
+        <a:blipFill rotWithShape="1">
+          <a:blip r:embed="rId1"/>
+          <a:stretch>
+            <a:fillRect/>
+          </a:stretch>
+        </a:blipFill>
+        <a:effectLst/>
+      </p:bgPr>
+    </p:bg>
+    <p:spTree>
+      <p:nvGrpSpPr>
+        <p:cNvPr id="1" name=""/>
+        <p:cNvGrpSpPr/>
+        <p:nvPr/>
+      </p:nvGrpSpPr>
+      <p:grpSpPr>
+        <a:xfrm>
+          <a:off x="0" y="0"/>
+          <a:ext cx="0" cy="0"/>
+          <a:chOff x="0" y="0"/>
+          <a:chExt cx="0" cy="0"/>
+        </a:xfrm>
+      </p:grpSpPr>
+      <p:sp>
+        <p:nvSpPr>
+          <p:cNvPr id="3" name="内容占位符 2"/>
+          <p:cNvSpPr>
+            <a:spLocks noGrp="1"/>
+          </p:cNvSpPr>
+          <p:nvPr>
+            <p:ph idx="1"/>
+          </p:nvPr>
+        </p:nvSpPr>
+        <p:spPr>
+          <a:xfrm>
+            <a:off x="770890" y="986155"/>
+            <a:ext cx="10515600" cy="5425440"/>
+          </a:xfrm>
+        </p:spPr>
+        <p:txBody>
+          <a:bodyPr>
+            <a:normAutofit/>
+          </a:bodyPr>
+          <a:lstStyle/>
+          <a:p>
+            <a:endParaRPr lang="en-US" altLang="zh-CN" dirty="0" smtClean="0"/>
+          </a:p>
+          <a:p>
+            <a:r>
+              <a:rPr lang="en-US" altLang="zh-CN" dirty="0" smtClean="0"/>
+              <a:t>Agile</a:t>
+            </a:r>
+            <a:endParaRPr lang="en-US" altLang="zh-CN" dirty="0" smtClean="0"/>
+          </a:p>
+          <a:p>
+            <a:pPr marL="0" indent="0">
+              <a:buNone/>
+            </a:pPr>
+            <a:r>
+              <a:rPr lang="en-US" altLang="zh-CN" dirty="0" smtClean="0"/>
+              <a:t>  </a:t>
+            </a:r>
+            <a:r>
+              <a:rPr lang="en-US" altLang="zh-CN" dirty="0" smtClean="0">
+                <a:sym typeface="+mn-ea"/>
+              </a:rPr>
+              <a:t>-We meet once a week and before our meeting we conduct our Agile                   meeting.</a:t>
+            </a:r>
+            <a:r>
+              <a:rPr lang="zh-CN" altLang="en-US" dirty="0" smtClean="0">
+                <a:sym typeface="+mn-ea"/>
+              </a:rPr>
+              <a:t> </a:t>
+            </a:r>
+            <a:r>
+              <a:rPr lang="en-US" altLang="zh-CN" dirty="0" smtClean="0">
+                <a:sym typeface="+mn-ea"/>
+              </a:rPr>
+              <a:t>What we did last week? What should we do this week? If we ran any troubles?</a:t>
+            </a:r>
+            <a:endParaRPr lang="en-US" altLang="zh-CN" dirty="0" smtClean="0"/>
+          </a:p>
+          <a:p>
+            <a:pPr marL="0" indent="0">
+              <a:buNone/>
+            </a:pPr>
+            <a:endParaRPr lang="en-US" altLang="zh-CN" dirty="0" smtClean="0"/>
+          </a:p>
+          <a:p>
+            <a:r>
+              <a:rPr lang="en-US" altLang="zh-CN" dirty="0" smtClean="0">
+                <a:sym typeface="+mn-ea"/>
+              </a:rPr>
+              <a:t>Pair programming</a:t>
+            </a:r>
+            <a:endParaRPr lang="en-US" altLang="zh-CN" dirty="0" smtClean="0"/>
+          </a:p>
+          <a:p>
+            <a:pPr marL="0" indent="0">
+              <a:buNone/>
+            </a:pPr>
+            <a:r>
+              <a:rPr lang="en-US" altLang="zh-CN" dirty="0" smtClean="0">
+                <a:sym typeface="+mn-ea"/>
+              </a:rPr>
+              <a:t>  -We use </a:t>
+            </a:r>
+            <a:r>
+              <a:rPr lang="en-US" altLang="zh-CN" dirty="0" err="1" smtClean="0">
+                <a:sym typeface="+mn-ea"/>
+              </a:rPr>
+              <a:t>git</a:t>
+            </a:r>
+            <a:r>
+              <a:rPr lang="en-US" altLang="zh-CN" dirty="0" smtClean="0">
+                <a:sym typeface="+mn-ea"/>
+              </a:rPr>
+              <a:t> for pair programming.</a:t>
+            </a:r>
+            <a:endParaRPr lang="en-US" altLang="zh-CN" dirty="0" smtClean="0"/>
+          </a:p>
+          <a:p>
+            <a:endParaRPr lang="en-US" altLang="zh-CN" dirty="0" smtClean="0"/>
+          </a:p>
+          <a:p>
+            <a:r>
+              <a:rPr lang="en-US" altLang="zh-CN" dirty="0" smtClean="0"/>
+              <a:t>  </a:t>
+            </a:r>
+            <a:r>
+              <a:rPr lang="en-US" altLang="zh-CN" dirty="0" smtClean="0">
+                <a:sym typeface="+mn-ea"/>
+              </a:rPr>
+              <a:t>Peer code review</a:t>
+            </a:r>
+            <a:endParaRPr lang="en-US" altLang="zh-CN" dirty="0" smtClean="0"/>
+          </a:p>
+          <a:p>
+            <a:pPr marL="0" indent="0">
+              <a:buNone/>
+            </a:pPr>
+            <a:r>
+              <a:rPr lang="en-US" altLang="zh-CN" dirty="0"/>
+              <a:t> </a:t>
+            </a:r>
+            <a:r>
+              <a:rPr lang="en-US" altLang="zh-CN" dirty="0" smtClean="0"/>
+              <a:t> -Lab recitation for peer code review</a:t>
+            </a:r>
+            <a:endParaRPr lang="en-US" altLang="zh-CN" dirty="0"/>
+          </a:p>
+        </p:txBody>
+      </p:sp>
+      <p:sp>
+        <p:nvSpPr>
+          <p:cNvPr id="2" name="文本框 1"/>
+          <p:cNvSpPr txBox="1"/>
+          <p:nvPr/>
+        </p:nvSpPr>
+        <p:spPr>
+          <a:xfrm>
+            <a:off x="771525" y="503555"/>
+            <a:ext cx="3899535" cy="767715"/>
+          </a:xfrm>
+          <a:prstGeom prst="rect">
+            <a:avLst/>
+          </a:prstGeom>
+          <a:noFill/>
+        </p:spPr>
+        <p:txBody>
+          <a:bodyPr wrap="square" rtlCol="0">
+            <a:spAutoFit/>
+          </a:bodyPr>
+          <a:p>
+            <a:r>
+              <a:rPr lang="zh-CN" altLang="en-US" sz="4400"/>
+              <a:t>Methodologies</a:t>
+            </a:r>
+            <a:endParaRPr lang="zh-CN" altLang="en-US" sz="4400"/>
+          </a:p>
+        </p:txBody>
+      </p:sp>
+    </p:spTree>
+  </p:cSld>
+  <p:clrMapOvr>
+    <a:masterClrMapping/>
+  </p:clrMapOvr>
+</p:sld>
+</file>
+
+<file path=ppt/slides/slide12.xml><?xml version="1.0" encoding="utf-8"?>
+<p:sld xmlns:a="http://schemas.openxmlformats.org/drawingml/2006/main" xmlns:r="http://schemas.openxmlformats.org/officeDocument/2006/relationships" xmlns:p="http://schemas.openxmlformats.org/presentationml/2006/main">
+  <p:cSld>
+    <p:bg>
+      <p:bgPr>
+        <a:blipFill rotWithShape="1">
+          <a:blip r:embed="rId1"/>
+          <a:stretch>
+            <a:fillRect/>
+          </a:stretch>
+        </a:blipFill>
+        <a:effectLst/>
+      </p:bgPr>
+    </p:bg>
+    <p:spTree>
+      <p:nvGrpSpPr>
+        <p:cNvPr id="1" name=""/>
+        <p:cNvGrpSpPr/>
+        <p:nvPr/>
+      </p:nvGrpSpPr>
+      <p:grpSpPr>
+        <a:xfrm>
+          <a:off x="0" y="0"/>
+          <a:ext cx="0" cy="0"/>
+          <a:chOff x="0" y="0"/>
+          <a:chExt cx="0" cy="0"/>
+        </a:xfrm>
+      </p:grpSpPr>
+      <p:sp>
+        <p:nvSpPr>
+          <p:cNvPr id="2" name="标题 1"/>
+          <p:cNvSpPr>
+            <a:spLocks noGrp="1"/>
+          </p:cNvSpPr>
+          <p:nvPr>
+            <p:ph type="title"/>
+          </p:nvPr>
+        </p:nvSpPr>
+        <p:spPr/>
+        <p:txBody>
+          <a:bodyPr/>
+          <a:lstStyle/>
+          <a:p>
+            <a:r>
+              <a:rPr lang="en-US" altLang="en-US">
+                <a:solidFill>
+                  <a:schemeClr val="tx1"/>
+                </a:solidFill>
+                <a:effectLst>
+                  <a:outerShdw blurRad="38100" dist="19050" dir="2700000" algn="tl" rotWithShape="0">
+                    <a:schemeClr val="dk1">
+                      <a:alpha val="40000"/>
+                    </a:schemeClr>
+                  </a:outerShdw>
+                </a:effectLst>
+              </a:rPr>
+              <a:t>Challenges</a:t>
+            </a:r>
+            <a:endParaRPr lang="en-US" altLang="en-US">
+              <a:solidFill>
+                <a:schemeClr val="tx1"/>
+              </a:solidFill>
+              <a:effectLst>
+                <a:outerShdw blurRad="38100" dist="19050" dir="2700000" algn="tl" rotWithShape="0">
+                  <a:schemeClr val="dk1">
+                    <a:alpha val="40000"/>
+                  </a:schemeClr>
+                </a:outerShdw>
+              </a:effectLst>
+            </a:endParaRPr>
+          </a:p>
+        </p:txBody>
+      </p:sp>
+      <p:sp>
+        <p:nvSpPr>
+          <p:cNvPr id="3" name="内容占位符 2"/>
+          <p:cNvSpPr>
+            <a:spLocks noGrp="1"/>
+          </p:cNvSpPr>
+          <p:nvPr>
+            <p:ph idx="1"/>
+          </p:nvPr>
+        </p:nvSpPr>
+        <p:spPr/>
+        <p:txBody>
+          <a:bodyPr/>
+          <a:lstStyle/>
+          <a:p>
+            <a:r>
+              <a:rPr lang="en-US" altLang="zh-CN"/>
+              <a:t>Window size not formatting properly on different laptop screen. Was not able to find a current </a:t>
+            </a:r>
+            <a:r>
+              <a:rPr lang="en-US" altLang="zh-CN">
+                <a:sym typeface="+mn-ea"/>
+              </a:rPr>
+              <a:t>working solution. Minor since project was still able to proceed.</a:t>
+            </a:r>
+            <a:endParaRPr lang="en-US" altLang="zh-CN"/>
+          </a:p>
+          <a:p>
+            <a:endParaRPr lang="en-US" altLang="zh-CN"/>
+          </a:p>
+          <a:p>
+            <a:r>
+              <a:rPr lang="en-US" altLang="zh-CN"/>
+              <a:t>Linking data base to website. Was not able to find a current working solution. It greatly affected our project plans since that was the main goal of project.</a:t>
+            </a:r>
+            <a:endParaRPr lang="en-US" altLang="zh-CN"/>
+          </a:p>
+        </p:txBody>
+      </p:sp>
+    </p:spTree>
+  </p:cSld>
+  <p:clrMapOvr>
+    <a:masterClrMapping/>
+  </p:clrMapOvr>
+</p:sld>
+</file>
+
+<file path=ppt/slides/slide13.xml><?xml version="1.0" encoding="utf-8"?>
+<p:sld xmlns:a="http://schemas.openxmlformats.org/drawingml/2006/main" xmlns:r="http://schemas.openxmlformats.org/officeDocument/2006/relationships" xmlns:p="http://schemas.openxmlformats.org/presentationml/2006/main">
+  <p:cSld>
+    <p:bg>
+      <p:bgPr>
+        <a:blipFill rotWithShape="1">
+          <a:blip r:embed="rId1"/>
+          <a:stretch>
+            <a:fillRect/>
+          </a:stretch>
+        </a:blipFill>
+        <a:effectLst/>
+      </p:bgPr>
+    </p:bg>
+    <p:spTree>
+      <p:nvGrpSpPr>
+        <p:cNvPr id="1" name=""/>
+        <p:cNvGrpSpPr/>
+        <p:nvPr/>
+      </p:nvGrpSpPr>
+      <p:grpSpPr/>
+      <p:sp>
+        <p:nvSpPr>
+          <p:cNvPr id="4" name="文本框 3"/>
+          <p:cNvSpPr txBox="1"/>
+          <p:nvPr/>
+        </p:nvSpPr>
+        <p:spPr>
+          <a:xfrm>
+            <a:off x="3608070" y="2438400"/>
+            <a:ext cx="5647055" cy="1198245"/>
+          </a:xfrm>
+          <a:prstGeom prst="rect">
+            <a:avLst/>
+          </a:prstGeom>
+          <a:noFill/>
+        </p:spPr>
+        <p:txBody>
+          <a:bodyPr wrap="square" rtlCol="0">
+            <a:spAutoFit/>
+            <a:scene3d>
+              <a:camera prst="orthographicFront"/>
+              <a:lightRig rig="threePt" dir="t"/>
+            </a:scene3d>
+          </a:bodyPr>
+          <a:p>
+            <a:r>
+              <a:rPr lang="en-US" altLang="zh-CN" sz="7200">
+                <a:ln w="12700">
+                  <a:solidFill>
+                    <a:schemeClr val="accent1"/>
+                  </a:solidFill>
+                  <a:prstDash val="solid"/>
+                </a:ln>
+                <a:pattFill prst="pct50">
+                  <a:fgClr>
+                    <a:schemeClr val="accent1"/>
+                  </a:fgClr>
+                  <a:bgClr>
+                    <a:schemeClr val="accent1">
+                      <a:lumMod val="20000"/>
+                      <a:lumOff val="80000"/>
+                    </a:schemeClr>
+                  </a:bgClr>
+                </a:pattFill>
+                <a:effectLst>
+                  <a:outerShdw dist="38100" dir="2640000" algn="bl" rotWithShape="0">
+                    <a:schemeClr val="accent1"/>
+                  </a:outerShdw>
+                </a:effectLst>
+              </a:rPr>
+              <a:t>Thank You!</a:t>
+            </a:r>
+            <a:endParaRPr lang="en-US" altLang="zh-CN" sz="7200">
+              <a:ln w="12700">
+                <a:solidFill>
+                  <a:schemeClr val="accent1"/>
+                </a:solidFill>
+                <a:prstDash val="solid"/>
+              </a:ln>
+              <a:pattFill prst="pct50">
+                <a:fgClr>
+                  <a:schemeClr val="accent1"/>
+                </a:fgClr>
+                <a:bgClr>
+                  <a:schemeClr val="accent1">
+                    <a:lumMod val="20000"/>
+                    <a:lumOff val="80000"/>
+                  </a:schemeClr>
+                </a:bgClr>
+              </a:pattFill>
+              <a:effectLst>
+                <a:outerShdw dist="38100" dir="2640000" algn="bl" rotWithShape="0">
+                  <a:schemeClr val="accent1"/>
+                </a:outerShdw>
+              </a:effectLst>
+            </a:endParaRPr>
+          </a:p>
+        </p:txBody>
+      </p:sp>
+    </p:spTree>
+  </p:cSld>
+  <p:clrMapOvr>
+    <a:masterClrMapping/>
+  </p:clrMapOvr>
+</p:sld>
+</file>
+
 <file path=ppt/slides/slide2.xml><?xml version="1.0" encoding="utf-8"?>
 <p:sld xmlns:a="http://schemas.openxmlformats.org/drawingml/2006/main" xmlns:r="http://schemas.openxmlformats.org/officeDocument/2006/relationships" xmlns:p="http://schemas.openxmlformats.org/presentationml/2006/main">
   <p:cSld>
@@ -2828,8 +3556,8 @@
           </p:nvPr>
         </p:nvGraphicFramePr>
         <p:xfrm>
-          <a:off x="1884680" y="640715"/>
-          <a:ext cx="8415655" cy="5703570"/>
+          <a:off x="1730375" y="383540"/>
+          <a:ext cx="8415655" cy="6311900"/>
         </p:xfrm>
         <a:graphic>
           <a:graphicData uri="http://schemas.openxmlformats.org/drawingml/2006/table">
@@ -2838,12 +3566,12 @@
                 <a:tableStyleId>{5C22544A-7EE6-4342-B048-85BDC9FD1C3A}</a:tableStyleId>
               </a:tblPr>
               <a:tblGrid>
-                <a:gridCol w="2104390"/>
-                <a:gridCol w="1992630"/>
+                <a:gridCol w="2200910"/>
+                <a:gridCol w="1896110"/>
                 <a:gridCol w="2214245"/>
                 <a:gridCol w="2104390"/>
               </a:tblGrid>
-              <a:tr h="761365">
+              <a:tr h="468630">
                 <a:tc>
                   <a:txBody>
                     <a:bodyPr/>
@@ -2917,15 +3645,17 @@
                   <a:tcPr/>
                 </a:tc>
               </a:tr>
-              <a:tr h="760730">
+              <a:tr h="596900">
                 <a:tc>
                   <a:txBody>
                     <a:bodyPr/>
                     <a:lstStyle/>
                     <a:p>
                       <a:r>
-                        <a:rPr lang="en-US" dirty="0" smtClean="0"/>
-                        <a:t>Automated testing</a:t>
+                        <a:rPr lang="en-US" sz="1800" dirty="0" smtClean="0">
+                          <a:sym typeface="+mn-ea"/>
+                        </a:rPr>
+                        <a:t>Version control</a:t>
                       </a:r>
                       <a:endParaRPr lang="en-US" dirty="0"/>
                     </a:p>
@@ -2949,7 +3679,7 @@
                     <a:p>
                       <a:r>
                         <a:rPr lang="en-US" dirty="0"/>
-                        <a:t>Ghost Inspector</a:t>
+                        <a:t>Git</a:t>
                       </a:r>
                       <a:endParaRPr lang="en-US" dirty="0"/>
                     </a:p>
@@ -2971,15 +3701,207 @@
                   <a:tcPr/>
                 </a:tc>
               </a:tr>
-              <a:tr h="581660">
+              <a:tr h="622935">
+                <a:tc>
+                  <a:txBody>
+                    <a:bodyPr/>
+                    <a:p>
+                      <a:pPr>
+                        <a:buNone/>
+                      </a:pPr>
+                      <a:r>
+                        <a:rPr lang="en-US" sz="1800" dirty="0" smtClean="0">
+                          <a:sym typeface="+mn-ea"/>
+                        </a:rPr>
+                        <a:t>Automated testing</a:t>
+                      </a:r>
+                      <a:endParaRPr lang="en-US" altLang="en-US" dirty="0"/>
+                    </a:p>
+                  </a:txBody>
+                  <a:tcPr/>
+                </a:tc>
+                <a:tc>
+                  <a:txBody>
+                    <a:bodyPr/>
+                    <a:p>
+                      <a:pPr>
+                        <a:buNone/>
+                      </a:pPr>
+                      <a:endParaRPr lang="en-US" altLang="en-US" dirty="0"/>
+                    </a:p>
+                  </a:txBody>
+                  <a:tcPr/>
+                </a:tc>
+                <a:tc>
+                  <a:txBody>
+                    <a:bodyPr/>
+                    <a:p>
+                      <a:pPr>
+                        <a:buNone/>
+                      </a:pPr>
+                      <a:r>
+                        <a:rPr lang="en-US" sz="1800" dirty="0">
+                          <a:sym typeface="+mn-ea"/>
+                        </a:rPr>
+                        <a:t>Ghost Inspector</a:t>
+                      </a:r>
+                      <a:endParaRPr lang="en-US" altLang="en-US" dirty="0"/>
+                    </a:p>
+                  </a:txBody>
+                  <a:tcPr/>
+                </a:tc>
+                <a:tc>
+                  <a:txBody>
+                    <a:bodyPr/>
+                    <a:p>
+                      <a:pPr>
+                        <a:buNone/>
+                      </a:pPr>
+                      <a:r>
+                        <a:rPr lang="en-US" sz="1800" dirty="0" smtClean="0">
+                          <a:sym typeface="+mn-ea"/>
+                        </a:rPr>
+                        <a:t>5/5</a:t>
+                      </a:r>
+                      <a:endParaRPr lang="en-US" altLang="en-US" dirty="0"/>
+                    </a:p>
+                  </a:txBody>
+                  <a:tcPr/>
+                </a:tc>
+              </a:tr>
+              <a:tr h="545465">
+                <a:tc>
+                  <a:txBody>
+                    <a:bodyPr/>
+                    <a:p>
+                      <a:pPr>
+                        <a:buNone/>
+                      </a:pPr>
+                      <a:r>
+                        <a:rPr lang="en-US" altLang="en-US" dirty="0"/>
+                        <a:t>Database connection</a:t>
+                      </a:r>
+                      <a:endParaRPr lang="en-US" altLang="en-US" dirty="0"/>
+                    </a:p>
+                  </a:txBody>
+                  <a:tcPr/>
+                </a:tc>
+                <a:tc>
+                  <a:txBody>
+                    <a:bodyPr/>
+                    <a:p>
+                      <a:pPr>
+                        <a:buNone/>
+                      </a:pPr>
+                      <a:endParaRPr lang="en-US" altLang="en-US" dirty="0"/>
+                    </a:p>
+                  </a:txBody>
+                  <a:tcPr/>
+                </a:tc>
+                <a:tc>
+                  <a:txBody>
+                    <a:bodyPr/>
+                    <a:p>
+                      <a:pPr>
+                        <a:buNone/>
+                      </a:pPr>
+                      <a:r>
+                        <a:rPr lang="en-US" altLang="en-US" dirty="0"/>
+                        <a:t>phpMyAdmin</a:t>
+                      </a:r>
+                      <a:endParaRPr lang="en-US" altLang="en-US" dirty="0"/>
+                    </a:p>
+                  </a:txBody>
+                  <a:tcPr/>
+                </a:tc>
+                <a:tc>
+                  <a:txBody>
+                    <a:bodyPr/>
+                    <a:p>
+                      <a:pPr>
+                        <a:buNone/>
+                      </a:pPr>
+                      <a:r>
+                        <a:rPr lang="en-US" altLang="en-US" dirty="0"/>
+                        <a:t>5/5</a:t>
+                      </a:r>
+                      <a:endParaRPr lang="en-US" altLang="en-US" dirty="0"/>
+                    </a:p>
+                  </a:txBody>
+                  <a:tcPr/>
+                </a:tc>
+              </a:tr>
+              <a:tr h="593725">
+                <a:tc>
+                  <a:txBody>
+                    <a:bodyPr/>
+                    <a:p>
+                      <a:pPr>
+                        <a:buNone/>
+                      </a:pPr>
+                      <a:r>
+                        <a:rPr lang="en-US" altLang="en-US" dirty="0"/>
+                        <a:t>Web server</a:t>
+                      </a:r>
+                      <a:endParaRPr lang="en-US" altLang="en-US" dirty="0"/>
+                    </a:p>
+                  </a:txBody>
+                  <a:tcPr/>
+                </a:tc>
+                <a:tc>
+                  <a:txBody>
+                    <a:bodyPr/>
+                    <a:p>
+                      <a:pPr>
+                        <a:buNone/>
+                      </a:pPr>
+                      <a:endParaRPr lang="en-US" altLang="en-US" dirty="0"/>
+                    </a:p>
+                  </a:txBody>
+                  <a:tcPr/>
+                </a:tc>
+                <a:tc>
+                  <a:txBody>
+                    <a:bodyPr/>
+                    <a:p>
+                      <a:pPr>
+                        <a:buNone/>
+                      </a:pPr>
+                      <a:r>
+                        <a:rPr lang="en-US" altLang="en-US" dirty="0"/>
+                        <a:t>Apache</a:t>
+                      </a:r>
+                      <a:endParaRPr lang="en-US" altLang="en-US" dirty="0"/>
+                    </a:p>
+                  </a:txBody>
+                  <a:tcPr/>
+                </a:tc>
+                <a:tc>
+                  <a:txBody>
+                    <a:bodyPr/>
+                    <a:p>
+                      <a:pPr>
+                        <a:buNone/>
+                      </a:pPr>
+                      <a:r>
+                        <a:rPr lang="en-US" altLang="en-US" dirty="0"/>
+                        <a:t>5/5</a:t>
+                      </a:r>
+                      <a:endParaRPr lang="en-US" altLang="en-US" dirty="0"/>
+                    </a:p>
+                  </a:txBody>
+                  <a:tcPr/>
+                </a:tc>
+              </a:tr>
+              <a:tr h="609600">
                 <a:tc>
                   <a:txBody>
                     <a:bodyPr/>
                     <a:lstStyle/>
                     <a:p>
                       <a:r>
-                        <a:rPr lang="en-US" dirty="0" smtClean="0"/>
-                        <a:t>Version control</a:t>
+                        <a:rPr lang="en-US" dirty="0"/>
+                        <a:t>Tunnel tool</a:t>
                       </a:r>
                       <a:endParaRPr lang="en-US" dirty="0"/>
                     </a:p>
@@ -3002,8 +3924,8 @@
                     <a:lstStyle/>
                     <a:p>
                       <a:r>
-                        <a:rPr lang="en-US" dirty="0" err="1" smtClean="0"/>
-                        <a:t>Github</a:t>
+                        <a:rPr lang="en-US" dirty="0"/>
+                        <a:t>ngrok</a:t>
                       </a:r>
                       <a:endParaRPr lang="en-US" dirty="0"/>
                     </a:p>
@@ -3017,7 +3939,7 @@
                     <a:p>
                       <a:r>
                         <a:rPr lang="en-US" dirty="0" smtClean="0"/>
-                        <a:t>5/5</a:t>
+                        <a:t>4/5</a:t>
                       </a:r>
                       <a:endParaRPr lang="en-US" dirty="0"/>
                     </a:p>
@@ -3025,7 +3947,7 @@
                   <a:tcPr/>
                 </a:tc>
               </a:tr>
-              <a:tr h="761365">
+              <a:tr h="555625">
                 <a:tc>
                   <a:txBody>
                     <a:bodyPr/>
@@ -3033,7 +3955,7 @@
                     <a:p>
                       <a:r>
                         <a:rPr lang="en-US" dirty="0" smtClean="0"/>
-                        <a:t>Website development environment</a:t>
+                        <a:t>development environment</a:t>
                       </a:r>
                       <a:endParaRPr lang="en-US" dirty="0" smtClean="0"/>
                     </a:p>
@@ -3070,24 +3992,33 @@
                     <a:lstStyle/>
                     <a:p>
                       <a:r>
-                        <a:rPr lang="en-US" dirty="0" smtClean="0"/>
+                        <a:rPr lang="en-US" sz="1800" dirty="0" smtClean="0">
+                          <a:sym typeface="+mn-ea"/>
+                        </a:rPr>
                         <a:t>4/5</a:t>
                       </a:r>
+                      <a:endParaRPr lang="en-US" sz="1800" dirty="0">
+                        <a:sym typeface="+mn-ea"/>
+                      </a:endParaRPr>
+                    </a:p>
+                    <a:p>
                       <a:endParaRPr lang="en-US" dirty="0"/>
                     </a:p>
                   </a:txBody>
                   <a:tcPr/>
                 </a:tc>
               </a:tr>
-              <a:tr h="760730">
+              <a:tr h="586740">
                 <a:tc>
                   <a:txBody>
                     <a:bodyPr/>
                     <a:lstStyle/>
                     <a:p>
                       <a:r>
-                        <a:rPr lang="en-US" dirty="0" smtClean="0"/>
-                        <a:t>Host website</a:t>
+                        <a:rPr lang="en-US" sz="1800" dirty="0">
+                          <a:sym typeface="+mn-ea"/>
+                        </a:rPr>
+                        <a:t>Database of food</a:t>
                       </a:r>
                       <a:endParaRPr lang="en-US" dirty="0"/>
                     </a:p>
@@ -3110,16 +4041,10 @@
                     <a:lstStyle/>
                     <a:p>
                       <a:r>
-                        <a:rPr lang="en-US" sz="1800" b="0" i="0" u="none" strike="noStrike" kern="1200" dirty="0" err="1" smtClean="0">
-                          <a:solidFill>
-                            <a:schemeClr val="dk1"/>
-                          </a:solidFill>
-                          <a:effectLst/>
-                          <a:latin typeface="+mn-lt"/>
-                          <a:ea typeface="+mn-ea"/>
-                          <a:cs typeface="+mn-cs"/>
+                        <a:rPr lang="en-US" sz="1800" dirty="0">
+                          <a:sym typeface="+mn-ea"/>
                         </a:rPr>
-                        <a:t>Python web server</a:t>
+                        <a:t>MySQL</a:t>
                       </a:r>
                       <a:endParaRPr lang="en-US" dirty="0"/>
                     </a:p>
@@ -3133,7 +4058,7 @@
                     <a:p>
                       <a:r>
                         <a:rPr lang="en-US" dirty="0" smtClean="0"/>
-                        <a:t>4/5</a:t>
+                        <a:t>3/5</a:t>
                       </a:r>
                       <a:endParaRPr lang="en-US" dirty="0"/>
                     </a:p>
@@ -3141,7 +4066,7 @@
                   <a:tcPr/>
                 </a:tc>
               </a:tr>
-              <a:tr h="582295">
+              <a:tr h="437515">
                 <a:tc>
                   <a:txBody>
                     <a:bodyPr/>
@@ -3195,7 +4120,7 @@
                   <a:tcPr/>
                 </a:tc>
               </a:tr>
-              <a:tr h="761365">
+              <a:tr h="501015">
                 <a:tc>
                   <a:txBody>
                     <a:bodyPr/>
@@ -3262,15 +4187,17 @@
                   <a:tcPr/>
                 </a:tc>
               </a:tr>
-              <a:tr h="581025">
+              <a:tr h="532765">
                 <a:tc>
                   <a:txBody>
                     <a:bodyPr/>
                     <a:lstStyle/>
                     <a:p>
                       <a:r>
-                        <a:rPr lang="en-US" dirty="0"/>
-                        <a:t>Database of food</a:t>
+                        <a:rPr lang="en-US" sz="1800" dirty="0" smtClean="0">
+                          <a:sym typeface="+mn-ea"/>
+                        </a:rPr>
+                        <a:t>Host website</a:t>
                       </a:r>
                       <a:endParaRPr lang="en-US" dirty="0"/>
                     </a:p>
@@ -3293,8 +4220,10 @@
                     <a:lstStyle/>
                     <a:p>
                       <a:r>
-                        <a:rPr lang="en-US" dirty="0"/>
-                        <a:t>My SQL</a:t>
+                        <a:rPr lang="en-US" sz="1800" dirty="0" err="1" smtClean="0">
+                          <a:sym typeface="+mn-ea"/>
+                        </a:rPr>
+                        <a:t>Python web server</a:t>
                       </a:r>
                       <a:endParaRPr lang="en-US" dirty="0"/>
                     </a:p>
@@ -3308,7 +4237,7 @@
                     <a:p>
                       <a:r>
                         <a:rPr lang="en-US" dirty="0" smtClean="0"/>
-                        <a:t>2/5</a:t>
+                        <a:t>3/5</a:t>
                       </a:r>
                       <a:endParaRPr lang="en-US" dirty="0"/>
                     </a:p>
@@ -3336,8 +4265,8 @@
         </p:blipFill>
         <p:spPr>
           <a:xfrm>
-            <a:off x="3968115" y="1588770"/>
-            <a:ext cx="2026920" cy="478790"/>
+            <a:off x="3920490" y="1685925"/>
+            <a:ext cx="1930400" cy="478790"/>
           </a:xfrm>
           <a:prstGeom prst="rect">
             <a:avLst/>
@@ -3346,7 +4275,7 @@
       </p:pic>
       <p:pic>
         <p:nvPicPr>
-          <p:cNvPr id="6" name="Picture 5"/>
+          <p:cNvPr id="8" name="图片 7" descr="python-logo-master-v3-TM-flattened"/>
           <p:cNvPicPr>
             <a:picLocks noChangeAspect="1"/>
           </p:cNvPicPr>
@@ -3360,8 +4289,8 @@
         </p:blipFill>
         <p:spPr>
           <a:xfrm>
-            <a:off x="4685030" y="2192020"/>
-            <a:ext cx="542290" cy="542290"/>
+            <a:off x="4097655" y="6222365"/>
+            <a:ext cx="1579245" cy="479425"/>
           </a:xfrm>
           <a:prstGeom prst="rect">
             <a:avLst/>
@@ -3370,7 +4299,7 @@
       </p:pic>
       <p:pic>
         <p:nvPicPr>
-          <p:cNvPr id="7" name="图片 6" descr="HTML5 Logo"/>
+          <p:cNvPr id="9" name="图片 8" descr="Trello-Logo"/>
           <p:cNvPicPr>
             <a:picLocks noChangeAspect="1"/>
           </p:cNvPicPr>
@@ -3384,8 +4313,8 @@
         </p:blipFill>
         <p:spPr>
           <a:xfrm>
-            <a:off x="4308475" y="2791460"/>
-            <a:ext cx="1306830" cy="697230"/>
+            <a:off x="4118610" y="5252720"/>
+            <a:ext cx="1553845" cy="424815"/>
           </a:xfrm>
           <a:prstGeom prst="rect">
             <a:avLst/>
@@ -3394,7 +4323,7 @@
       </p:pic>
       <p:pic>
         <p:nvPicPr>
-          <p:cNvPr id="8" name="图片 7" descr="python-logo-master-v3-TM-flattened"/>
+          <p:cNvPr id="10" name="图片 9" descr="Doxygen_logo"/>
           <p:cNvPicPr>
             <a:picLocks noChangeAspect="1"/>
           </p:cNvPicPr>
@@ -3408,8 +4337,8 @@
         </p:blipFill>
         <p:spPr>
           <a:xfrm>
-            <a:off x="4251960" y="3732530"/>
-            <a:ext cx="1508125" cy="509270"/>
+            <a:off x="3946525" y="5685155"/>
+            <a:ext cx="1871345" cy="425450"/>
           </a:xfrm>
           <a:prstGeom prst="rect">
             <a:avLst/>
@@ -3418,7 +4347,7 @@
       </p:pic>
       <p:pic>
         <p:nvPicPr>
-          <p:cNvPr id="9" name="图片 8" descr="Trello-Logo"/>
+          <p:cNvPr id="11" name="图片 10" descr="1024px-MySQL_svg"/>
           <p:cNvPicPr>
             <a:picLocks noChangeAspect="1"/>
           </p:cNvPicPr>
@@ -3432,8 +4361,8 @@
         </p:blipFill>
         <p:spPr>
           <a:xfrm>
-            <a:off x="4118610" y="4404360"/>
-            <a:ext cx="1697990" cy="558800"/>
+            <a:off x="4080510" y="4688840"/>
+            <a:ext cx="1734820" cy="491490"/>
           </a:xfrm>
           <a:prstGeom prst="rect">
             <a:avLst/>
@@ -3442,7 +4371,7 @@
       </p:pic>
       <p:pic>
         <p:nvPicPr>
-          <p:cNvPr id="10" name="图片 9" descr="Doxygen_logo"/>
+          <p:cNvPr id="2" name="图片 1"/>
           <p:cNvPicPr>
             <a:picLocks noChangeAspect="1"/>
           </p:cNvPicPr>
@@ -3456,8 +4385,8 @@
         </p:blipFill>
         <p:spPr>
           <a:xfrm>
-            <a:off x="4023360" y="5115560"/>
-            <a:ext cx="1871345" cy="425450"/>
+            <a:off x="4206240" y="3451225"/>
+            <a:ext cx="1414780" cy="485140"/>
           </a:xfrm>
           <a:prstGeom prst="rect">
             <a:avLst/>
@@ -3466,7 +4395,7 @@
       </p:pic>
       <p:pic>
         <p:nvPicPr>
-          <p:cNvPr id="11" name="图片 10" descr="1024px-MySQL_svg"/>
+          <p:cNvPr id="3" name="图片 2" descr="~4FFS29BU__P1%~)MNR7Q7S"/>
           <p:cNvPicPr>
             <a:picLocks noChangeAspect="1"/>
           </p:cNvPicPr>
@@ -3480,8 +4409,80 @@
         </p:blipFill>
         <p:spPr>
           <a:xfrm>
-            <a:off x="4138930" y="5793740"/>
-            <a:ext cx="1708150" cy="534670"/>
+            <a:off x="4244975" y="1121410"/>
+            <a:ext cx="1285875" cy="456565"/>
+          </a:xfrm>
+          <a:prstGeom prst="rect">
+            <a:avLst/>
+          </a:prstGeom>
+        </p:spPr>
+      </p:pic>
+      <p:pic>
+        <p:nvPicPr>
+          <p:cNvPr id="12" name="图片 11" descr="GEZZ6S]PUKA6{HYDTO01EQU"/>
+          <p:cNvPicPr>
+            <a:picLocks noChangeAspect="1"/>
+          </p:cNvPicPr>
+          <p:nvPr/>
+        </p:nvPicPr>
+        <p:blipFill>
+          <a:blip r:embed="rId9"/>
+          <a:stretch>
+            <a:fillRect/>
+          </a:stretch>
+        </p:blipFill>
+        <p:spPr>
+          <a:xfrm>
+            <a:off x="4003040" y="2846705"/>
+            <a:ext cx="1765300" cy="504190"/>
+          </a:xfrm>
+          <a:prstGeom prst="rect">
+            <a:avLst/>
+          </a:prstGeom>
+        </p:spPr>
+      </p:pic>
+      <p:pic>
+        <p:nvPicPr>
+          <p:cNvPr id="13" name="图片 12" descr="$Q_9Y$%L3WCMLQ[Y23YXHK7"/>
+          <p:cNvPicPr>
+            <a:picLocks noChangeAspect="1"/>
+          </p:cNvPicPr>
+          <p:nvPr/>
+        </p:nvPicPr>
+        <p:blipFill>
+          <a:blip r:embed="rId10"/>
+          <a:stretch>
+            <a:fillRect/>
+          </a:stretch>
+        </p:blipFill>
+        <p:spPr>
+          <a:xfrm>
+            <a:off x="4048125" y="2275205"/>
+            <a:ext cx="1800225" cy="532765"/>
+          </a:xfrm>
+          <a:prstGeom prst="rect">
+            <a:avLst/>
+          </a:prstGeom>
+        </p:spPr>
+      </p:pic>
+      <p:pic>
+        <p:nvPicPr>
+          <p:cNvPr id="14" name="图片 13" descr="%IY{[D8PHG7NEGTD_Y1PG}9"/>
+          <p:cNvPicPr>
+            <a:picLocks noChangeAspect="1"/>
+          </p:cNvPicPr>
+          <p:nvPr/>
+        </p:nvPicPr>
+        <p:blipFill>
+          <a:blip r:embed="rId11"/>
+          <a:stretch>
+            <a:fillRect/>
+          </a:stretch>
+        </p:blipFill>
+        <p:spPr>
+          <a:xfrm>
+            <a:off x="4418965" y="4015740"/>
+            <a:ext cx="980440" cy="657225"/>
           </a:xfrm>
           <a:prstGeom prst="rect">
             <a:avLst/>
@@ -3524,141 +4525,378 @@
         <p:cNvGrpSpPr/>
         <p:nvPr/>
       </p:nvGrpSpPr>
-      <p:grpSpPr>
-        <a:xfrm>
-          <a:off x="0" y="0"/>
-          <a:ext cx="0" cy="0"/>
-          <a:chOff x="0" y="0"/>
-          <a:chExt cx="0" cy="0"/>
-        </a:xfrm>
-      </p:grpSpPr>
-      <p:sp>
-        <p:nvSpPr>
-          <p:cNvPr id="3" name="内容占位符 2"/>
-          <p:cNvSpPr>
-            <a:spLocks noGrp="1"/>
-          </p:cNvSpPr>
-          <p:nvPr>
-            <p:ph idx="1"/>
-          </p:nvPr>
-        </p:nvSpPr>
-        <p:spPr>
-          <a:xfrm>
-            <a:off x="838200" y="532765"/>
-            <a:ext cx="10515600" cy="5425440"/>
-          </a:xfrm>
-        </p:spPr>
-        <p:txBody>
-          <a:bodyPr>
-            <a:normAutofit/>
+      <p:grpSpPr/>
+      <p:sp>
+        <p:nvSpPr>
+          <p:cNvPr id="4" name="文本框 3"/>
+          <p:cNvSpPr txBox="1"/>
+          <p:nvPr/>
+        </p:nvSpPr>
+        <p:spPr>
+          <a:xfrm>
+            <a:off x="868045" y="702945"/>
+            <a:ext cx="4005580" cy="767715"/>
+          </a:xfrm>
+          <a:prstGeom prst="rect">
+            <a:avLst/>
+          </a:prstGeom>
+          <a:noFill/>
+        </p:spPr>
+        <p:txBody>
+          <a:bodyPr wrap="square" rtlCol="0">
+            <a:spAutoFit/>
           </a:bodyPr>
-          <a:lstStyle/>
-          <a:p>
-            <a:endParaRPr lang="en-US" altLang="zh-CN" dirty="0" smtClean="0"/>
-          </a:p>
-          <a:p>
-            <a:r>
-              <a:rPr lang="en-US" altLang="zh-CN" dirty="0" smtClean="0"/>
-              <a:t>Agile</a:t>
-            </a:r>
-            <a:endParaRPr lang="en-US" altLang="zh-CN" dirty="0" smtClean="0"/>
-          </a:p>
-          <a:p>
-            <a:pPr marL="0" indent="0">
-              <a:buNone/>
-            </a:pPr>
-            <a:r>
-              <a:rPr lang="en-US" altLang="zh-CN" dirty="0" smtClean="0"/>
-              <a:t>  </a:t>
-            </a:r>
-            <a:r>
-              <a:rPr lang="en-US" altLang="zh-CN" dirty="0" smtClean="0">
+          <a:p>
+            <a:r>
+              <a:rPr lang="en-US" altLang="zh-CN" sz="4400"/>
+              <a:t>Software</a:t>
+            </a:r>
+            <a:endParaRPr lang="en-US" altLang="zh-CN" sz="3600"/>
+          </a:p>
+        </p:txBody>
+      </p:sp>
+      <p:sp>
+        <p:nvSpPr>
+          <p:cNvPr id="5" name="文本框 4"/>
+          <p:cNvSpPr txBox="1"/>
+          <p:nvPr/>
+        </p:nvSpPr>
+        <p:spPr>
+          <a:xfrm>
+            <a:off x="840105" y="1541780"/>
+            <a:ext cx="3041015" cy="949325"/>
+          </a:xfrm>
+          <a:prstGeom prst="rect">
+            <a:avLst/>
+          </a:prstGeom>
+          <a:noFill/>
+        </p:spPr>
+        <p:txBody>
+          <a:bodyPr wrap="square" rtlCol="0">
+            <a:spAutoFit/>
+          </a:bodyPr>
+          <a:p>
+            <a:r>
+              <a:rPr lang="en-US" sz="3200" dirty="0">
                 <a:sym typeface="+mn-ea"/>
               </a:rPr>
-              <a:t>-We meet once a week and before our meeting we conduct our Agile                   meeting.</a:t>
-            </a:r>
-            <a:r>
-              <a:rPr lang="zh-CN" altLang="en-US" dirty="0" smtClean="0">
+              <a:t>Ghost Inspector</a:t>
+            </a:r>
+            <a:endParaRPr lang="en-US" sz="3200" dirty="0">
+              <a:sym typeface="+mn-ea"/>
+            </a:endParaRPr>
+          </a:p>
+          <a:p>
+            <a:endParaRPr lang="en-US" altLang="en-US" sz="2400" dirty="0">
+              <a:sym typeface="+mn-ea"/>
+            </a:endParaRPr>
+          </a:p>
+        </p:txBody>
+      </p:sp>
+      <p:pic>
+        <p:nvPicPr>
+          <p:cNvPr id="6" name="图片 5" descr="6QM~7U[_1C[L9~KC_3XYB@Q"/>
+          <p:cNvPicPr>
+            <a:picLocks noChangeAspect="1"/>
+          </p:cNvPicPr>
+          <p:nvPr/>
+        </p:nvPicPr>
+        <p:blipFill>
+          <a:blip r:embed="rId2"/>
+          <a:stretch>
+            <a:fillRect/>
+          </a:stretch>
+        </p:blipFill>
+        <p:spPr>
+          <a:xfrm>
+            <a:off x="908685" y="2239645"/>
+            <a:ext cx="2057400" cy="485775"/>
+          </a:xfrm>
+          <a:prstGeom prst="rect">
+            <a:avLst/>
+          </a:prstGeom>
+        </p:spPr>
+      </p:pic>
+      <p:pic>
+        <p:nvPicPr>
+          <p:cNvPr id="8" name="图片 7" descr="cf4da75a-fc66-11e5-8818-2bee5cdf9a3f"/>
+          <p:cNvPicPr>
+            <a:picLocks noChangeAspect="1"/>
+          </p:cNvPicPr>
+          <p:nvPr/>
+        </p:nvPicPr>
+        <p:blipFill>
+          <a:blip r:embed="rId3"/>
+          <a:srcRect l="-536" t="10156" r="44786" b="560"/>
+          <a:stretch>
+            <a:fillRect/>
+          </a:stretch>
+        </p:blipFill>
+        <p:spPr>
+          <a:xfrm>
+            <a:off x="4727575" y="342900"/>
+            <a:ext cx="7136130" cy="5786120"/>
+          </a:xfrm>
+          <a:prstGeom prst="rect">
+            <a:avLst/>
+          </a:prstGeom>
+        </p:spPr>
+      </p:pic>
+      <p:sp>
+        <p:nvSpPr>
+          <p:cNvPr id="9" name="文本框 8"/>
+          <p:cNvSpPr txBox="1"/>
+          <p:nvPr/>
+        </p:nvSpPr>
+        <p:spPr>
+          <a:xfrm>
+            <a:off x="838835" y="3578225"/>
+            <a:ext cx="3446145" cy="2654935"/>
+          </a:xfrm>
+          <a:prstGeom prst="rect">
+            <a:avLst/>
+          </a:prstGeom>
+          <a:noFill/>
+        </p:spPr>
+        <p:txBody>
+          <a:bodyPr wrap="square" rtlCol="0">
+            <a:spAutoFit/>
+          </a:bodyPr>
+          <a:p>
+            <a:r>
+              <a:rPr lang="en-US" sz="2400" dirty="0" smtClean="0">
                 <a:sym typeface="+mn-ea"/>
               </a:rPr>
-              <a:t> </a:t>
-            </a:r>
-            <a:r>
-              <a:rPr lang="en-US" altLang="zh-CN" dirty="0" smtClean="0">
-                <a:sym typeface="+mn-ea"/>
-              </a:rPr>
-              <a:t>What we did last week? What should we do this week? If we ran any troubles?</a:t>
-            </a:r>
-            <a:endParaRPr lang="en-US" altLang="zh-CN" dirty="0" smtClean="0"/>
-          </a:p>
-          <a:p>
-            <a:pPr marL="0" indent="0">
-              <a:buNone/>
-            </a:pPr>
-            <a:endParaRPr lang="en-US" altLang="zh-CN" dirty="0" smtClean="0"/>
-          </a:p>
-          <a:p>
-            <a:r>
-              <a:rPr lang="en-US" altLang="zh-CN" dirty="0" smtClean="0">
-                <a:sym typeface="+mn-ea"/>
-              </a:rPr>
-              <a:t>Pair programming</a:t>
-            </a:r>
-            <a:endParaRPr lang="en-US" altLang="zh-CN" dirty="0" smtClean="0"/>
-          </a:p>
-          <a:p>
-            <a:pPr marL="0" indent="0">
-              <a:buNone/>
-            </a:pPr>
-            <a:r>
-              <a:rPr lang="en-US" altLang="zh-CN" dirty="0" smtClean="0">
-                <a:sym typeface="+mn-ea"/>
-              </a:rPr>
-              <a:t>  -We use </a:t>
-            </a:r>
-            <a:r>
-              <a:rPr lang="en-US" altLang="zh-CN" dirty="0" err="1" smtClean="0">
-                <a:sym typeface="+mn-ea"/>
-              </a:rPr>
-              <a:t>git</a:t>
-            </a:r>
-            <a:r>
-              <a:rPr lang="en-US" altLang="zh-CN" dirty="0" smtClean="0">
-                <a:sym typeface="+mn-ea"/>
-              </a:rPr>
-              <a:t> for pair programming.</a:t>
-            </a:r>
-            <a:endParaRPr lang="en-US" altLang="zh-CN" dirty="0" smtClean="0"/>
-          </a:p>
-          <a:p>
-            <a:endParaRPr lang="en-US" altLang="zh-CN" dirty="0" smtClean="0"/>
-          </a:p>
-          <a:p>
-            <a:r>
-              <a:rPr lang="en-US" altLang="zh-CN" dirty="0" smtClean="0"/>
-              <a:t>  </a:t>
-            </a:r>
-            <a:r>
-              <a:rPr lang="en-US" altLang="zh-CN" dirty="0" smtClean="0">
-                <a:sym typeface="+mn-ea"/>
-              </a:rPr>
-              <a:t>Peer code review</a:t>
-            </a:r>
-            <a:endParaRPr lang="en-US" altLang="zh-CN" dirty="0" smtClean="0"/>
-          </a:p>
-          <a:p>
-            <a:pPr marL="0" indent="0">
-              <a:buNone/>
-            </a:pPr>
-            <a:r>
-              <a:rPr lang="en-US" altLang="zh-CN" dirty="0"/>
-              <a:t> </a:t>
-            </a:r>
-            <a:r>
-              <a:rPr lang="en-US" altLang="zh-CN" dirty="0" smtClean="0"/>
-              <a:t> -Lab recitation for peer code review</a:t>
-            </a:r>
-            <a:endParaRPr lang="en-US" altLang="zh-CN" dirty="0"/>
+              <a:t>Ghost Inspector is an Automated testing software.  It catches website bugs and regressions before they cost you.</a:t>
+            </a:r>
+            <a:endParaRPr lang="en-US" sz="2400" dirty="0" smtClean="0">
+              <a:sym typeface="+mn-ea"/>
+            </a:endParaRPr>
+          </a:p>
+          <a:p>
+            <a:endParaRPr lang="en-US" altLang="en-US" sz="2400" dirty="0" smtClean="0">
+              <a:sym typeface="+mn-ea"/>
+            </a:endParaRPr>
+          </a:p>
+        </p:txBody>
+      </p:sp>
+      <p:sp>
+        <p:nvSpPr>
+          <p:cNvPr id="10" name="五角星 9"/>
+          <p:cNvSpPr/>
+          <p:nvPr/>
+        </p:nvSpPr>
+        <p:spPr>
+          <a:xfrm>
+            <a:off x="906145" y="2874010"/>
+            <a:ext cx="463550" cy="395605"/>
+          </a:xfrm>
+          <a:prstGeom prst="star5">
+            <a:avLst>
+              <a:gd name="adj" fmla="val 19075"/>
+              <a:gd name="hf" fmla="val 105146"/>
+              <a:gd name="vf" fmla="val 110557"/>
+            </a:avLst>
+          </a:prstGeom>
+          <a:solidFill>
+            <a:srgbClr val="FFCC66"/>
+          </a:solidFill>
+        </p:spPr>
+        <p:style>
+          <a:lnRef idx="3">
+            <a:schemeClr val="lt1"/>
+          </a:lnRef>
+          <a:fillRef idx="1">
+            <a:schemeClr val="accent4"/>
+          </a:fillRef>
+          <a:effectRef idx="1">
+            <a:schemeClr val="accent4"/>
+          </a:effectRef>
+          <a:fontRef idx="minor">
+            <a:schemeClr val="lt1"/>
+          </a:fontRef>
+        </p:style>
+        <p:txBody>
+          <a:bodyPr rtlCol="0" anchor="ctr"/>
+          <a:p>
+            <a:pPr algn="ctr"/>
+            <a:endParaRPr lang="zh-CN" altLang="en-US"/>
+          </a:p>
+        </p:txBody>
+      </p:sp>
+      <p:sp>
+        <p:nvSpPr>
+          <p:cNvPr id="11" name="五角星 10"/>
+          <p:cNvSpPr/>
+          <p:nvPr/>
+        </p:nvSpPr>
+        <p:spPr>
+          <a:xfrm>
+            <a:off x="3021330" y="2865755"/>
+            <a:ext cx="463550" cy="395605"/>
+          </a:xfrm>
+          <a:prstGeom prst="star5">
+            <a:avLst>
+              <a:gd name="adj" fmla="val 19075"/>
+              <a:gd name="hf" fmla="val 105146"/>
+              <a:gd name="vf" fmla="val 110557"/>
+            </a:avLst>
+          </a:prstGeom>
+          <a:solidFill>
+            <a:srgbClr val="FFCC66"/>
+          </a:solidFill>
+        </p:spPr>
+        <p:style>
+          <a:lnRef idx="3">
+            <a:schemeClr val="lt1"/>
+          </a:lnRef>
+          <a:fillRef idx="1">
+            <a:schemeClr val="accent4"/>
+          </a:fillRef>
+          <a:effectRef idx="1">
+            <a:schemeClr val="accent4"/>
+          </a:effectRef>
+          <a:fontRef idx="minor">
+            <a:schemeClr val="lt1"/>
+          </a:fontRef>
+        </p:style>
+        <p:txBody>
+          <a:bodyPr rtlCol="0" anchor="ctr"/>
+          <a:p>
+            <a:pPr algn="ctr"/>
+            <a:endParaRPr lang="zh-CN" altLang="en-US"/>
+          </a:p>
+        </p:txBody>
+      </p:sp>
+      <p:sp>
+        <p:nvSpPr>
+          <p:cNvPr id="12" name="五角星 11"/>
+          <p:cNvSpPr/>
+          <p:nvPr/>
+        </p:nvSpPr>
+        <p:spPr>
+          <a:xfrm>
+            <a:off x="1440815" y="2867025"/>
+            <a:ext cx="463550" cy="395605"/>
+          </a:xfrm>
+          <a:prstGeom prst="star5">
+            <a:avLst>
+              <a:gd name="adj" fmla="val 19075"/>
+              <a:gd name="hf" fmla="val 105146"/>
+              <a:gd name="vf" fmla="val 110557"/>
+            </a:avLst>
+          </a:prstGeom>
+          <a:solidFill>
+            <a:srgbClr val="FFCC66"/>
+          </a:solidFill>
+        </p:spPr>
+        <p:style>
+          <a:lnRef idx="3">
+            <a:schemeClr val="lt1"/>
+          </a:lnRef>
+          <a:fillRef idx="1">
+            <a:schemeClr val="accent4"/>
+          </a:fillRef>
+          <a:effectRef idx="1">
+            <a:schemeClr val="accent4"/>
+          </a:effectRef>
+          <a:fontRef idx="minor">
+            <a:schemeClr val="lt1"/>
+          </a:fontRef>
+        </p:style>
+        <p:txBody>
+          <a:bodyPr rtlCol="0" anchor="ctr"/>
+          <a:p>
+            <a:pPr algn="ctr"/>
+            <a:endParaRPr lang="zh-CN" altLang="en-US"/>
+          </a:p>
+        </p:txBody>
+      </p:sp>
+      <p:sp>
+        <p:nvSpPr>
+          <p:cNvPr id="13" name="五角星 12"/>
+          <p:cNvSpPr/>
+          <p:nvPr/>
+        </p:nvSpPr>
+        <p:spPr>
+          <a:xfrm>
+            <a:off x="1972310" y="2868295"/>
+            <a:ext cx="463550" cy="395605"/>
+          </a:xfrm>
+          <a:prstGeom prst="star5">
+            <a:avLst>
+              <a:gd name="adj" fmla="val 19075"/>
+              <a:gd name="hf" fmla="val 105146"/>
+              <a:gd name="vf" fmla="val 110557"/>
+            </a:avLst>
+          </a:prstGeom>
+          <a:solidFill>
+            <a:srgbClr val="FFCC66"/>
+          </a:solidFill>
+        </p:spPr>
+        <p:style>
+          <a:lnRef idx="3">
+            <a:schemeClr val="lt1"/>
+          </a:lnRef>
+          <a:fillRef idx="1">
+            <a:schemeClr val="accent4"/>
+          </a:fillRef>
+          <a:effectRef idx="1">
+            <a:schemeClr val="accent4"/>
+          </a:effectRef>
+          <a:fontRef idx="minor">
+            <a:schemeClr val="lt1"/>
+          </a:fontRef>
+        </p:style>
+        <p:txBody>
+          <a:bodyPr rtlCol="0" anchor="ctr"/>
+          <a:p>
+            <a:pPr algn="ctr"/>
+            <a:endParaRPr lang="zh-CN" altLang="en-US"/>
+          </a:p>
+        </p:txBody>
+      </p:sp>
+      <p:sp>
+        <p:nvSpPr>
+          <p:cNvPr id="14" name="五角星 13"/>
+          <p:cNvSpPr/>
+          <p:nvPr/>
+        </p:nvSpPr>
+        <p:spPr>
+          <a:xfrm>
+            <a:off x="2505075" y="2860675"/>
+            <a:ext cx="463550" cy="395605"/>
+          </a:xfrm>
+          <a:prstGeom prst="star5">
+            <a:avLst>
+              <a:gd name="adj" fmla="val 19075"/>
+              <a:gd name="hf" fmla="val 105146"/>
+              <a:gd name="vf" fmla="val 110557"/>
+            </a:avLst>
+          </a:prstGeom>
+          <a:solidFill>
+            <a:srgbClr val="FFCC66"/>
+          </a:solidFill>
+        </p:spPr>
+        <p:style>
+          <a:lnRef idx="3">
+            <a:schemeClr val="lt1"/>
+          </a:lnRef>
+          <a:fillRef idx="1">
+            <a:schemeClr val="accent4"/>
+          </a:fillRef>
+          <a:effectRef idx="1">
+            <a:schemeClr val="accent4"/>
+          </a:effectRef>
+          <a:fontRef idx="minor">
+            <a:schemeClr val="lt1"/>
+          </a:fontRef>
+        </p:style>
+        <p:txBody>
+          <a:bodyPr rtlCol="0" anchor="ctr"/>
+          <a:p>
+            <a:pPr algn="ctr"/>
+            <a:endParaRPr lang="zh-CN" altLang="en-US"/>
           </a:p>
         </p:txBody>
       </p:sp>
@@ -3690,95 +4928,1929 @@
         <p:cNvGrpSpPr/>
         <p:nvPr/>
       </p:nvGrpSpPr>
-      <p:grpSpPr>
-        <a:xfrm>
-          <a:off x="0" y="0"/>
-          <a:ext cx="0" cy="0"/>
-          <a:chOff x="0" y="0"/>
-          <a:chExt cx="0" cy="0"/>
-        </a:xfrm>
-      </p:grpSpPr>
-      <p:sp>
-        <p:nvSpPr>
-          <p:cNvPr id="2" name="标题 1"/>
-          <p:cNvSpPr>
-            <a:spLocks noGrp="1"/>
-          </p:cNvSpPr>
-          <p:nvPr>
-            <p:ph type="title"/>
-          </p:nvPr>
-        </p:nvSpPr>
-        <p:spPr/>
-        <p:txBody>
-          <a:bodyPr/>
-          <a:lstStyle/>
-          <a:p>
-            <a:r>
-              <a:rPr lang="en-US" altLang="en-US">
-                <a:solidFill>
-                  <a:schemeClr val="tx1"/>
-                </a:solidFill>
-                <a:effectLst>
-                  <a:outerShdw blurRad="38100" dist="19050" dir="2700000" algn="tl" rotWithShape="0">
-                    <a:schemeClr val="dk1">
-                      <a:alpha val="40000"/>
-                    </a:schemeClr>
-                  </a:outerShdw>
-                </a:effectLst>
-              </a:rPr>
-              <a:t>Challenges</a:t>
-            </a:r>
-            <a:endParaRPr lang="en-US" altLang="en-US">
-              <a:solidFill>
-                <a:schemeClr val="tx1"/>
-              </a:solidFill>
-              <a:effectLst>
-                <a:outerShdw blurRad="38100" dist="19050" dir="2700000" algn="tl" rotWithShape="0">
-                  <a:schemeClr val="dk1">
-                    <a:alpha val="40000"/>
-                  </a:schemeClr>
-                </a:outerShdw>
-              </a:effectLst>
-            </a:endParaRPr>
-          </a:p>
-        </p:txBody>
-      </p:sp>
-      <p:sp>
-        <p:nvSpPr>
-          <p:cNvPr id="3" name="内容占位符 2"/>
-          <p:cNvSpPr>
-            <a:spLocks noGrp="1"/>
-          </p:cNvSpPr>
-          <p:nvPr>
-            <p:ph idx="1"/>
-          </p:nvPr>
-        </p:nvSpPr>
-        <p:spPr/>
-        <p:txBody>
-          <a:bodyPr/>
-          <a:lstStyle/>
-          <a:p>
-            <a:r>
-              <a:rPr lang="en-US" altLang="zh-CN"/>
-              <a:t>Window size not formatting properly on different laptop screen. Was not able to find a current </a:t>
-            </a:r>
-            <a:r>
-              <a:rPr lang="en-US" altLang="zh-CN">
+      <p:grpSpPr/>
+      <p:pic>
+        <p:nvPicPr>
+          <p:cNvPr id="4" name="图片 3" descr="QQ图片20160424151035"/>
+          <p:cNvPicPr>
+            <a:picLocks noChangeAspect="1"/>
+          </p:cNvPicPr>
+          <p:nvPr/>
+        </p:nvPicPr>
+        <p:blipFill>
+          <a:blip r:embed="rId2"/>
+          <a:stretch>
+            <a:fillRect/>
+          </a:stretch>
+        </p:blipFill>
+        <p:spPr>
+          <a:xfrm>
+            <a:off x="4836160" y="207010"/>
+            <a:ext cx="6111240" cy="6395085"/>
+          </a:xfrm>
+          <a:prstGeom prst="rect">
+            <a:avLst/>
+          </a:prstGeom>
+        </p:spPr>
+      </p:pic>
+      <p:sp>
+        <p:nvSpPr>
+          <p:cNvPr id="5" name="文本框 4"/>
+          <p:cNvSpPr txBox="1"/>
+          <p:nvPr/>
+        </p:nvSpPr>
+        <p:spPr>
+          <a:xfrm>
+            <a:off x="1429385" y="942975"/>
+            <a:ext cx="3041015" cy="1133475"/>
+          </a:xfrm>
+          <a:prstGeom prst="rect">
+            <a:avLst/>
+          </a:prstGeom>
+          <a:noFill/>
+        </p:spPr>
+        <p:txBody>
+          <a:bodyPr wrap="square" rtlCol="0">
+            <a:spAutoFit/>
+          </a:bodyPr>
+          <a:p>
+            <a:r>
+              <a:rPr lang="en-US" sz="4400" dirty="0">
                 <a:sym typeface="+mn-ea"/>
               </a:rPr>
-              <a:t>working solution. Minor since project was still able to proceed.</a:t>
-            </a:r>
-            <a:endParaRPr lang="en-US" altLang="zh-CN"/>
-          </a:p>
-          <a:p>
-            <a:endParaRPr lang="en-US" altLang="zh-CN"/>
-          </a:p>
-          <a:p>
-            <a:r>
-              <a:rPr lang="en-US" altLang="zh-CN"/>
-              <a:t>Linking data base to website. Was not able to find a current working solution. It greatly affected our project plans since that was the main goal of project.</a:t>
-            </a:r>
-            <a:endParaRPr lang="en-US" altLang="zh-CN"/>
+              <a:t>ngrok</a:t>
+            </a:r>
+            <a:endParaRPr lang="en-US" sz="4400" dirty="0">
+              <a:sym typeface="+mn-ea"/>
+            </a:endParaRPr>
+          </a:p>
+          <a:p>
+            <a:endParaRPr lang="en-US" altLang="en-US" sz="2400" dirty="0">
+              <a:sym typeface="+mn-ea"/>
+            </a:endParaRPr>
+          </a:p>
+        </p:txBody>
+      </p:sp>
+      <p:pic>
+        <p:nvPicPr>
+          <p:cNvPr id="6" name="图片 5"/>
+          <p:cNvPicPr>
+            <a:picLocks noChangeAspect="1"/>
+          </p:cNvPicPr>
+          <p:nvPr/>
+        </p:nvPicPr>
+        <p:blipFill>
+          <a:blip r:embed="rId3"/>
+          <a:stretch>
+            <a:fillRect/>
+          </a:stretch>
+        </p:blipFill>
+        <p:spPr>
+          <a:xfrm>
+            <a:off x="1474470" y="1751330"/>
+            <a:ext cx="1414780" cy="485140"/>
+          </a:xfrm>
+          <a:prstGeom prst="rect">
+            <a:avLst/>
+          </a:prstGeom>
+        </p:spPr>
+      </p:pic>
+      <p:sp>
+        <p:nvSpPr>
+          <p:cNvPr id="11" name="五角星 10"/>
+          <p:cNvSpPr/>
+          <p:nvPr/>
+        </p:nvSpPr>
+        <p:spPr>
+          <a:xfrm>
+            <a:off x="2839085" y="2440940"/>
+            <a:ext cx="463550" cy="395605"/>
+          </a:xfrm>
+          <a:prstGeom prst="star5">
+            <a:avLst>
+              <a:gd name="adj" fmla="val 19075"/>
+              <a:gd name="hf" fmla="val 105146"/>
+              <a:gd name="vf" fmla="val 110557"/>
+            </a:avLst>
+          </a:prstGeom>
+          <a:solidFill>
+            <a:srgbClr val="FFCC66"/>
+          </a:solidFill>
+        </p:spPr>
+        <p:style>
+          <a:lnRef idx="3">
+            <a:schemeClr val="lt1"/>
+          </a:lnRef>
+          <a:fillRef idx="1">
+            <a:schemeClr val="accent4"/>
+          </a:fillRef>
+          <a:effectRef idx="1">
+            <a:schemeClr val="accent4"/>
+          </a:effectRef>
+          <a:fontRef idx="minor">
+            <a:schemeClr val="lt1"/>
+          </a:fontRef>
+        </p:style>
+        <p:txBody>
+          <a:bodyPr rtlCol="0" anchor="ctr"/>
+          <a:p>
+            <a:pPr algn="ctr"/>
+            <a:endParaRPr lang="zh-CN" altLang="en-US"/>
+          </a:p>
+        </p:txBody>
+      </p:sp>
+      <p:sp>
+        <p:nvSpPr>
+          <p:cNvPr id="12" name="五角星 11"/>
+          <p:cNvSpPr/>
+          <p:nvPr/>
+        </p:nvSpPr>
+        <p:spPr>
+          <a:xfrm>
+            <a:off x="1258570" y="2442210"/>
+            <a:ext cx="463550" cy="395605"/>
+          </a:xfrm>
+          <a:prstGeom prst="star5">
+            <a:avLst>
+              <a:gd name="adj" fmla="val 19075"/>
+              <a:gd name="hf" fmla="val 105146"/>
+              <a:gd name="vf" fmla="val 110557"/>
+            </a:avLst>
+          </a:prstGeom>
+          <a:solidFill>
+            <a:srgbClr val="FFCC66"/>
+          </a:solidFill>
+        </p:spPr>
+        <p:style>
+          <a:lnRef idx="3">
+            <a:schemeClr val="lt1"/>
+          </a:lnRef>
+          <a:fillRef idx="1">
+            <a:schemeClr val="accent4"/>
+          </a:fillRef>
+          <a:effectRef idx="1">
+            <a:schemeClr val="accent4"/>
+          </a:effectRef>
+          <a:fontRef idx="minor">
+            <a:schemeClr val="lt1"/>
+          </a:fontRef>
+        </p:style>
+        <p:txBody>
+          <a:bodyPr rtlCol="0" anchor="ctr"/>
+          <a:p>
+            <a:pPr algn="ctr"/>
+            <a:endParaRPr lang="zh-CN" altLang="en-US"/>
+          </a:p>
+        </p:txBody>
+      </p:sp>
+      <p:sp>
+        <p:nvSpPr>
+          <p:cNvPr id="13" name="五角星 12"/>
+          <p:cNvSpPr/>
+          <p:nvPr/>
+        </p:nvSpPr>
+        <p:spPr>
+          <a:xfrm>
+            <a:off x="1790065" y="2443480"/>
+            <a:ext cx="463550" cy="395605"/>
+          </a:xfrm>
+          <a:prstGeom prst="star5">
+            <a:avLst>
+              <a:gd name="adj" fmla="val 19075"/>
+              <a:gd name="hf" fmla="val 105146"/>
+              <a:gd name="vf" fmla="val 110557"/>
+            </a:avLst>
+          </a:prstGeom>
+          <a:solidFill>
+            <a:srgbClr val="FFCC66"/>
+          </a:solidFill>
+        </p:spPr>
+        <p:style>
+          <a:lnRef idx="3">
+            <a:schemeClr val="lt1"/>
+          </a:lnRef>
+          <a:fillRef idx="1">
+            <a:schemeClr val="accent4"/>
+          </a:fillRef>
+          <a:effectRef idx="1">
+            <a:schemeClr val="accent4"/>
+          </a:effectRef>
+          <a:fontRef idx="minor">
+            <a:schemeClr val="lt1"/>
+          </a:fontRef>
+        </p:style>
+        <p:txBody>
+          <a:bodyPr rtlCol="0" anchor="ctr"/>
+          <a:p>
+            <a:pPr algn="ctr"/>
+            <a:endParaRPr lang="zh-CN" altLang="en-US"/>
+          </a:p>
+        </p:txBody>
+      </p:sp>
+      <p:sp>
+        <p:nvSpPr>
+          <p:cNvPr id="14" name="五角星 13"/>
+          <p:cNvSpPr/>
+          <p:nvPr/>
+        </p:nvSpPr>
+        <p:spPr>
+          <a:xfrm>
+            <a:off x="2322830" y="2435860"/>
+            <a:ext cx="463550" cy="395605"/>
+          </a:xfrm>
+          <a:prstGeom prst="star5">
+            <a:avLst>
+              <a:gd name="adj" fmla="val 19075"/>
+              <a:gd name="hf" fmla="val 105146"/>
+              <a:gd name="vf" fmla="val 110557"/>
+            </a:avLst>
+          </a:prstGeom>
+          <a:solidFill>
+            <a:srgbClr val="FFCC66"/>
+          </a:solidFill>
+        </p:spPr>
+        <p:style>
+          <a:lnRef idx="3">
+            <a:schemeClr val="lt1"/>
+          </a:lnRef>
+          <a:fillRef idx="1">
+            <a:schemeClr val="accent4"/>
+          </a:fillRef>
+          <a:effectRef idx="1">
+            <a:schemeClr val="accent4"/>
+          </a:effectRef>
+          <a:fontRef idx="minor">
+            <a:schemeClr val="lt1"/>
+          </a:fontRef>
+        </p:style>
+        <p:txBody>
+          <a:bodyPr rtlCol="0" anchor="ctr"/>
+          <a:p>
+            <a:pPr algn="ctr"/>
+            <a:endParaRPr lang="zh-CN" altLang="en-US"/>
+          </a:p>
+        </p:txBody>
+      </p:sp>
+      <p:sp>
+        <p:nvSpPr>
+          <p:cNvPr id="7" name="文本框 6"/>
+          <p:cNvSpPr txBox="1"/>
+          <p:nvPr/>
+        </p:nvSpPr>
+        <p:spPr>
+          <a:xfrm>
+            <a:off x="927100" y="3114675"/>
+            <a:ext cx="3301365" cy="1191895"/>
+          </a:xfrm>
+          <a:prstGeom prst="rect">
+            <a:avLst/>
+          </a:prstGeom>
+          <a:noFill/>
+        </p:spPr>
+        <p:txBody>
+          <a:bodyPr wrap="square" rtlCol="0">
+            <a:spAutoFit/>
+          </a:bodyPr>
+          <a:p>
+            <a:r>
+              <a:rPr lang="en-US" altLang="zh-CN" sz="2400"/>
+              <a:t>ngrok is a tunnel tool for automated testing local website.</a:t>
+            </a:r>
+            <a:endParaRPr lang="en-US" altLang="zh-CN" sz="2400"/>
+          </a:p>
+        </p:txBody>
+      </p:sp>
+      <p:sp>
+        <p:nvSpPr>
+          <p:cNvPr id="8" name="文本框 7"/>
+          <p:cNvSpPr txBox="1"/>
+          <p:nvPr/>
+        </p:nvSpPr>
+        <p:spPr>
+          <a:xfrm>
+            <a:off x="925830" y="4456430"/>
+            <a:ext cx="3416935" cy="1557655"/>
+          </a:xfrm>
+          <a:prstGeom prst="rect">
+            <a:avLst/>
+          </a:prstGeom>
+          <a:noFill/>
+        </p:spPr>
+        <p:txBody>
+          <a:bodyPr wrap="square" rtlCol="0">
+            <a:spAutoFit/>
+          </a:bodyPr>
+          <a:p>
+            <a:r>
+              <a:rPr lang="en-US" altLang="zh-CN" sz="2400"/>
+              <a:t>It's free but not visual. Need to use terminal commands to set up the server.</a:t>
+            </a:r>
+            <a:endParaRPr lang="en-US" altLang="zh-CN" sz="2400"/>
+          </a:p>
+        </p:txBody>
+      </p:sp>
+    </p:spTree>
+  </p:cSld>
+  <p:clrMapOvr>
+    <a:masterClrMapping/>
+  </p:clrMapOvr>
+</p:sld>
+</file>
+
+<file path=ppt/slides/slide5.xml><?xml version="1.0" encoding="utf-8"?>
+<p:sld xmlns:a="http://schemas.openxmlformats.org/drawingml/2006/main" xmlns:r="http://schemas.openxmlformats.org/officeDocument/2006/relationships" xmlns:p="http://schemas.openxmlformats.org/presentationml/2006/main">
+  <p:cSld>
+    <p:bg>
+      <p:bgPr>
+        <a:blipFill rotWithShape="1">
+          <a:blip r:embed="rId1"/>
+          <a:stretch>
+            <a:fillRect/>
+          </a:stretch>
+        </a:blipFill>
+        <a:effectLst/>
+      </p:bgPr>
+    </p:bg>
+    <p:spTree>
+      <p:nvGrpSpPr>
+        <p:cNvPr id="1" name=""/>
+        <p:cNvGrpSpPr/>
+        <p:nvPr/>
+      </p:nvGrpSpPr>
+      <p:grpSpPr/>
+      <p:sp>
+        <p:nvSpPr>
+          <p:cNvPr id="2" name="文本框 1"/>
+          <p:cNvSpPr txBox="1"/>
+          <p:nvPr/>
+        </p:nvSpPr>
+        <p:spPr>
+          <a:xfrm>
+            <a:off x="1621790" y="1106805"/>
+            <a:ext cx="4257040" cy="767715"/>
+          </a:xfrm>
+          <a:prstGeom prst="rect">
+            <a:avLst/>
+          </a:prstGeom>
+          <a:noFill/>
+        </p:spPr>
+        <p:txBody>
+          <a:bodyPr wrap="square" rtlCol="0">
+            <a:spAutoFit/>
+          </a:bodyPr>
+          <a:p>
+            <a:r>
+              <a:rPr lang="en-US" altLang="zh-CN" sz="4400"/>
+              <a:t>Apache</a:t>
+            </a:r>
+            <a:endParaRPr lang="en-US" altLang="zh-CN" sz="4400"/>
+          </a:p>
+        </p:txBody>
+      </p:sp>
+      <p:pic>
+        <p:nvPicPr>
+          <p:cNvPr id="12" name="图片 11" descr="GEZZ6S]PUKA6{HYDTO01EQU"/>
+          <p:cNvPicPr>
+            <a:picLocks noChangeAspect="1"/>
+          </p:cNvPicPr>
+          <p:nvPr/>
+        </p:nvPicPr>
+        <p:blipFill>
+          <a:blip r:embed="rId2"/>
+          <a:stretch>
+            <a:fillRect/>
+          </a:stretch>
+        </p:blipFill>
+        <p:spPr>
+          <a:xfrm>
+            <a:off x="1145540" y="2248535"/>
+            <a:ext cx="3116580" cy="890270"/>
+          </a:xfrm>
+          <a:prstGeom prst="rect">
+            <a:avLst/>
+          </a:prstGeom>
+        </p:spPr>
+      </p:pic>
+      <p:sp>
+        <p:nvSpPr>
+          <p:cNvPr id="10" name="五角星 9"/>
+          <p:cNvSpPr/>
+          <p:nvPr/>
+        </p:nvSpPr>
+        <p:spPr>
+          <a:xfrm>
+            <a:off x="1447800" y="3627755"/>
+            <a:ext cx="463550" cy="395605"/>
+          </a:xfrm>
+          <a:prstGeom prst="star5">
+            <a:avLst>
+              <a:gd name="adj" fmla="val 19075"/>
+              <a:gd name="hf" fmla="val 105146"/>
+              <a:gd name="vf" fmla="val 110557"/>
+            </a:avLst>
+          </a:prstGeom>
+          <a:solidFill>
+            <a:srgbClr val="FFCC66"/>
+          </a:solidFill>
+        </p:spPr>
+        <p:style>
+          <a:lnRef idx="3">
+            <a:schemeClr val="lt1"/>
+          </a:lnRef>
+          <a:fillRef idx="1">
+            <a:schemeClr val="accent4"/>
+          </a:fillRef>
+          <a:effectRef idx="1">
+            <a:schemeClr val="accent4"/>
+          </a:effectRef>
+          <a:fontRef idx="minor">
+            <a:schemeClr val="lt1"/>
+          </a:fontRef>
+        </p:style>
+        <p:txBody>
+          <a:bodyPr rtlCol="0" anchor="ctr"/>
+          <a:p>
+            <a:pPr algn="ctr"/>
+            <a:endParaRPr lang="zh-CN" altLang="en-US"/>
+          </a:p>
+        </p:txBody>
+      </p:sp>
+      <p:sp>
+        <p:nvSpPr>
+          <p:cNvPr id="11" name="五角星 10"/>
+          <p:cNvSpPr/>
+          <p:nvPr/>
+        </p:nvSpPr>
+        <p:spPr>
+          <a:xfrm>
+            <a:off x="3562985" y="3619500"/>
+            <a:ext cx="463550" cy="395605"/>
+          </a:xfrm>
+          <a:prstGeom prst="star5">
+            <a:avLst>
+              <a:gd name="adj" fmla="val 19075"/>
+              <a:gd name="hf" fmla="val 105146"/>
+              <a:gd name="vf" fmla="val 110557"/>
+            </a:avLst>
+          </a:prstGeom>
+          <a:solidFill>
+            <a:srgbClr val="FFCC66"/>
+          </a:solidFill>
+        </p:spPr>
+        <p:style>
+          <a:lnRef idx="3">
+            <a:schemeClr val="lt1"/>
+          </a:lnRef>
+          <a:fillRef idx="1">
+            <a:schemeClr val="accent4"/>
+          </a:fillRef>
+          <a:effectRef idx="1">
+            <a:schemeClr val="accent4"/>
+          </a:effectRef>
+          <a:fontRef idx="minor">
+            <a:schemeClr val="lt1"/>
+          </a:fontRef>
+        </p:style>
+        <p:txBody>
+          <a:bodyPr rtlCol="0" anchor="ctr"/>
+          <a:p>
+            <a:pPr algn="ctr"/>
+            <a:endParaRPr lang="zh-CN" altLang="en-US"/>
+          </a:p>
+        </p:txBody>
+      </p:sp>
+      <p:sp>
+        <p:nvSpPr>
+          <p:cNvPr id="3" name="五角星 2"/>
+          <p:cNvSpPr/>
+          <p:nvPr/>
+        </p:nvSpPr>
+        <p:spPr>
+          <a:xfrm>
+            <a:off x="1982470" y="3620770"/>
+            <a:ext cx="463550" cy="395605"/>
+          </a:xfrm>
+          <a:prstGeom prst="star5">
+            <a:avLst>
+              <a:gd name="adj" fmla="val 19075"/>
+              <a:gd name="hf" fmla="val 105146"/>
+              <a:gd name="vf" fmla="val 110557"/>
+            </a:avLst>
+          </a:prstGeom>
+          <a:solidFill>
+            <a:srgbClr val="FFCC66"/>
+          </a:solidFill>
+        </p:spPr>
+        <p:style>
+          <a:lnRef idx="3">
+            <a:schemeClr val="lt1"/>
+          </a:lnRef>
+          <a:fillRef idx="1">
+            <a:schemeClr val="accent4"/>
+          </a:fillRef>
+          <a:effectRef idx="1">
+            <a:schemeClr val="accent4"/>
+          </a:effectRef>
+          <a:fontRef idx="minor">
+            <a:schemeClr val="lt1"/>
+          </a:fontRef>
+        </p:style>
+        <p:txBody>
+          <a:bodyPr rtlCol="0" anchor="ctr"/>
+          <a:p>
+            <a:pPr algn="ctr"/>
+            <a:endParaRPr lang="zh-CN" altLang="en-US"/>
+          </a:p>
+        </p:txBody>
+      </p:sp>
+      <p:sp>
+        <p:nvSpPr>
+          <p:cNvPr id="13" name="五角星 12"/>
+          <p:cNvSpPr/>
+          <p:nvPr/>
+        </p:nvSpPr>
+        <p:spPr>
+          <a:xfrm>
+            <a:off x="2513965" y="3622040"/>
+            <a:ext cx="463550" cy="395605"/>
+          </a:xfrm>
+          <a:prstGeom prst="star5">
+            <a:avLst>
+              <a:gd name="adj" fmla="val 19075"/>
+              <a:gd name="hf" fmla="val 105146"/>
+              <a:gd name="vf" fmla="val 110557"/>
+            </a:avLst>
+          </a:prstGeom>
+          <a:solidFill>
+            <a:srgbClr val="FFCC66"/>
+          </a:solidFill>
+        </p:spPr>
+        <p:style>
+          <a:lnRef idx="3">
+            <a:schemeClr val="lt1"/>
+          </a:lnRef>
+          <a:fillRef idx="1">
+            <a:schemeClr val="accent4"/>
+          </a:fillRef>
+          <a:effectRef idx="1">
+            <a:schemeClr val="accent4"/>
+          </a:effectRef>
+          <a:fontRef idx="minor">
+            <a:schemeClr val="lt1"/>
+          </a:fontRef>
+        </p:style>
+        <p:txBody>
+          <a:bodyPr rtlCol="0" anchor="ctr"/>
+          <a:p>
+            <a:pPr algn="ctr"/>
+            <a:endParaRPr lang="zh-CN" altLang="en-US"/>
+          </a:p>
+        </p:txBody>
+      </p:sp>
+      <p:sp>
+        <p:nvSpPr>
+          <p:cNvPr id="14" name="五角星 13"/>
+          <p:cNvSpPr/>
+          <p:nvPr/>
+        </p:nvSpPr>
+        <p:spPr>
+          <a:xfrm>
+            <a:off x="3046730" y="3614420"/>
+            <a:ext cx="463550" cy="395605"/>
+          </a:xfrm>
+          <a:prstGeom prst="star5">
+            <a:avLst>
+              <a:gd name="adj" fmla="val 19075"/>
+              <a:gd name="hf" fmla="val 105146"/>
+              <a:gd name="vf" fmla="val 110557"/>
+            </a:avLst>
+          </a:prstGeom>
+          <a:solidFill>
+            <a:srgbClr val="FFCC66"/>
+          </a:solidFill>
+        </p:spPr>
+        <p:style>
+          <a:lnRef idx="3">
+            <a:schemeClr val="lt1"/>
+          </a:lnRef>
+          <a:fillRef idx="1">
+            <a:schemeClr val="accent4"/>
+          </a:fillRef>
+          <a:effectRef idx="1">
+            <a:schemeClr val="accent4"/>
+          </a:effectRef>
+          <a:fontRef idx="minor">
+            <a:schemeClr val="lt1"/>
+          </a:fontRef>
+        </p:style>
+        <p:txBody>
+          <a:bodyPr rtlCol="0" anchor="ctr"/>
+          <a:p>
+            <a:pPr algn="ctr"/>
+            <a:endParaRPr lang="zh-CN" altLang="en-US"/>
+          </a:p>
+        </p:txBody>
+      </p:sp>
+      <p:sp>
+        <p:nvSpPr>
+          <p:cNvPr id="5" name="文本框 4"/>
+          <p:cNvSpPr txBox="1"/>
+          <p:nvPr/>
+        </p:nvSpPr>
+        <p:spPr>
+          <a:xfrm>
+            <a:off x="5356860" y="2072640"/>
+            <a:ext cx="5243195" cy="1557655"/>
+          </a:xfrm>
+          <a:prstGeom prst="rect">
+            <a:avLst/>
+          </a:prstGeom>
+          <a:noFill/>
+        </p:spPr>
+        <p:txBody>
+          <a:bodyPr wrap="square" rtlCol="0">
+            <a:spAutoFit/>
+          </a:bodyPr>
+          <a:p>
+            <a:pPr algn="l"/>
+            <a:r>
+              <a:rPr lang="zh-CN" altLang="en-US" sz="2400"/>
+              <a:t>It allowed to do everything on local host from HTML to PHP pages, we were able to also connect it to phpMyAdmin which made it a really great tool to use.</a:t>
+            </a:r>
+            <a:endParaRPr lang="zh-CN" altLang="en-US" sz="2400"/>
+          </a:p>
+        </p:txBody>
+      </p:sp>
+    </p:spTree>
+  </p:cSld>
+  <p:clrMapOvr>
+    <a:masterClrMapping/>
+  </p:clrMapOvr>
+</p:sld>
+</file>
+
+<file path=ppt/slides/slide6.xml><?xml version="1.0" encoding="utf-8"?>
+<p:sld xmlns:a="http://schemas.openxmlformats.org/drawingml/2006/main" xmlns:r="http://schemas.openxmlformats.org/officeDocument/2006/relationships" xmlns:p="http://schemas.openxmlformats.org/presentationml/2006/main">
+  <p:cSld>
+    <p:bg>
+      <p:bgPr>
+        <a:blipFill rotWithShape="1">
+          <a:blip r:embed="rId1"/>
+          <a:stretch>
+            <a:fillRect/>
+          </a:stretch>
+        </a:blipFill>
+        <a:effectLst/>
+      </p:bgPr>
+    </p:bg>
+    <p:spTree>
+      <p:nvGrpSpPr>
+        <p:cNvPr id="1" name=""/>
+        <p:cNvGrpSpPr/>
+        <p:nvPr/>
+      </p:nvGrpSpPr>
+      <p:grpSpPr/>
+      <p:pic>
+        <p:nvPicPr>
+          <p:cNvPr id="13" name="图片 12" descr="$Q_9Y$%L3WCMLQ[Y23YXHK7"/>
+          <p:cNvPicPr>
+            <a:picLocks noChangeAspect="1"/>
+          </p:cNvPicPr>
+          <p:nvPr/>
+        </p:nvPicPr>
+        <p:blipFill>
+          <a:blip r:embed="rId2"/>
+          <a:stretch>
+            <a:fillRect/>
+          </a:stretch>
+        </p:blipFill>
+        <p:spPr>
+          <a:xfrm>
+            <a:off x="2205355" y="2120900"/>
+            <a:ext cx="2353310" cy="763905"/>
+          </a:xfrm>
+          <a:prstGeom prst="rect">
+            <a:avLst/>
+          </a:prstGeom>
+        </p:spPr>
+      </p:pic>
+      <p:sp>
+        <p:nvSpPr>
+          <p:cNvPr id="4" name="文本框 3"/>
+          <p:cNvSpPr txBox="1"/>
+          <p:nvPr/>
+        </p:nvSpPr>
+        <p:spPr>
+          <a:xfrm>
+            <a:off x="1708150" y="1193800"/>
+            <a:ext cx="3996055" cy="767715"/>
+          </a:xfrm>
+          <a:prstGeom prst="rect">
+            <a:avLst/>
+          </a:prstGeom>
+          <a:noFill/>
+        </p:spPr>
+        <p:txBody>
+          <a:bodyPr wrap="square" rtlCol="0">
+            <a:spAutoFit/>
+          </a:bodyPr>
+          <a:p>
+            <a:r>
+              <a:rPr lang="en-US" altLang="zh-CN" sz="4400"/>
+              <a:t>phpMyAdmin</a:t>
+            </a:r>
+            <a:endParaRPr lang="en-US" altLang="zh-CN" sz="4400"/>
+          </a:p>
+        </p:txBody>
+      </p:sp>
+      <p:sp>
+        <p:nvSpPr>
+          <p:cNvPr id="10" name="五角星 9"/>
+          <p:cNvSpPr/>
+          <p:nvPr/>
+        </p:nvSpPr>
+        <p:spPr>
+          <a:xfrm>
+            <a:off x="2084705" y="3163570"/>
+            <a:ext cx="463550" cy="395605"/>
+          </a:xfrm>
+          <a:prstGeom prst="star5">
+            <a:avLst>
+              <a:gd name="adj" fmla="val 19075"/>
+              <a:gd name="hf" fmla="val 105146"/>
+              <a:gd name="vf" fmla="val 110557"/>
+            </a:avLst>
+          </a:prstGeom>
+          <a:solidFill>
+            <a:srgbClr val="FFCC66"/>
+          </a:solidFill>
+        </p:spPr>
+        <p:style>
+          <a:lnRef idx="3">
+            <a:schemeClr val="lt1"/>
+          </a:lnRef>
+          <a:fillRef idx="1">
+            <a:schemeClr val="accent4"/>
+          </a:fillRef>
+          <a:effectRef idx="1">
+            <a:schemeClr val="accent4"/>
+          </a:effectRef>
+          <a:fontRef idx="minor">
+            <a:schemeClr val="lt1"/>
+          </a:fontRef>
+        </p:style>
+        <p:txBody>
+          <a:bodyPr rtlCol="0" anchor="ctr"/>
+          <a:p>
+            <a:pPr algn="ctr"/>
+            <a:endParaRPr lang="zh-CN" altLang="en-US"/>
+          </a:p>
+        </p:txBody>
+      </p:sp>
+      <p:sp>
+        <p:nvSpPr>
+          <p:cNvPr id="11" name="五角星 10"/>
+          <p:cNvSpPr/>
+          <p:nvPr/>
+        </p:nvSpPr>
+        <p:spPr>
+          <a:xfrm>
+            <a:off x="4199890" y="3155315"/>
+            <a:ext cx="463550" cy="395605"/>
+          </a:xfrm>
+          <a:prstGeom prst="star5">
+            <a:avLst>
+              <a:gd name="adj" fmla="val 19075"/>
+              <a:gd name="hf" fmla="val 105146"/>
+              <a:gd name="vf" fmla="val 110557"/>
+            </a:avLst>
+          </a:prstGeom>
+          <a:solidFill>
+            <a:srgbClr val="FFCC66"/>
+          </a:solidFill>
+        </p:spPr>
+        <p:style>
+          <a:lnRef idx="3">
+            <a:schemeClr val="lt1"/>
+          </a:lnRef>
+          <a:fillRef idx="1">
+            <a:schemeClr val="accent4"/>
+          </a:fillRef>
+          <a:effectRef idx="1">
+            <a:schemeClr val="accent4"/>
+          </a:effectRef>
+          <a:fontRef idx="minor">
+            <a:schemeClr val="lt1"/>
+          </a:fontRef>
+        </p:style>
+        <p:txBody>
+          <a:bodyPr rtlCol="0" anchor="ctr"/>
+          <a:p>
+            <a:pPr algn="ctr"/>
+            <a:endParaRPr lang="zh-CN" altLang="en-US"/>
+          </a:p>
+        </p:txBody>
+      </p:sp>
+      <p:sp>
+        <p:nvSpPr>
+          <p:cNvPr id="12" name="五角星 11"/>
+          <p:cNvSpPr/>
+          <p:nvPr/>
+        </p:nvSpPr>
+        <p:spPr>
+          <a:xfrm>
+            <a:off x="2619375" y="3156585"/>
+            <a:ext cx="463550" cy="395605"/>
+          </a:xfrm>
+          <a:prstGeom prst="star5">
+            <a:avLst>
+              <a:gd name="adj" fmla="val 19075"/>
+              <a:gd name="hf" fmla="val 105146"/>
+              <a:gd name="vf" fmla="val 110557"/>
+            </a:avLst>
+          </a:prstGeom>
+          <a:solidFill>
+            <a:srgbClr val="FFCC66"/>
+          </a:solidFill>
+        </p:spPr>
+        <p:style>
+          <a:lnRef idx="3">
+            <a:schemeClr val="lt1"/>
+          </a:lnRef>
+          <a:fillRef idx="1">
+            <a:schemeClr val="accent4"/>
+          </a:fillRef>
+          <a:effectRef idx="1">
+            <a:schemeClr val="accent4"/>
+          </a:effectRef>
+          <a:fontRef idx="minor">
+            <a:schemeClr val="lt1"/>
+          </a:fontRef>
+        </p:style>
+        <p:txBody>
+          <a:bodyPr rtlCol="0" anchor="ctr"/>
+          <a:p>
+            <a:pPr algn="ctr"/>
+            <a:endParaRPr lang="zh-CN" altLang="en-US"/>
+          </a:p>
+        </p:txBody>
+      </p:sp>
+      <p:sp>
+        <p:nvSpPr>
+          <p:cNvPr id="5" name="五角星 4"/>
+          <p:cNvSpPr/>
+          <p:nvPr/>
+        </p:nvSpPr>
+        <p:spPr>
+          <a:xfrm>
+            <a:off x="3150870" y="3157855"/>
+            <a:ext cx="463550" cy="395605"/>
+          </a:xfrm>
+          <a:prstGeom prst="star5">
+            <a:avLst>
+              <a:gd name="adj" fmla="val 19075"/>
+              <a:gd name="hf" fmla="val 105146"/>
+              <a:gd name="vf" fmla="val 110557"/>
+            </a:avLst>
+          </a:prstGeom>
+          <a:solidFill>
+            <a:srgbClr val="FFCC66"/>
+          </a:solidFill>
+        </p:spPr>
+        <p:style>
+          <a:lnRef idx="3">
+            <a:schemeClr val="lt1"/>
+          </a:lnRef>
+          <a:fillRef idx="1">
+            <a:schemeClr val="accent4"/>
+          </a:fillRef>
+          <a:effectRef idx="1">
+            <a:schemeClr val="accent4"/>
+          </a:effectRef>
+          <a:fontRef idx="minor">
+            <a:schemeClr val="lt1"/>
+          </a:fontRef>
+        </p:style>
+        <p:txBody>
+          <a:bodyPr rtlCol="0" anchor="ctr"/>
+          <a:p>
+            <a:pPr algn="ctr"/>
+            <a:endParaRPr lang="zh-CN" altLang="en-US"/>
+          </a:p>
+        </p:txBody>
+      </p:sp>
+      <p:sp>
+        <p:nvSpPr>
+          <p:cNvPr id="14" name="五角星 13"/>
+          <p:cNvSpPr/>
+          <p:nvPr/>
+        </p:nvSpPr>
+        <p:spPr>
+          <a:xfrm>
+            <a:off x="3683635" y="3150235"/>
+            <a:ext cx="463550" cy="395605"/>
+          </a:xfrm>
+          <a:prstGeom prst="star5">
+            <a:avLst>
+              <a:gd name="adj" fmla="val 19075"/>
+              <a:gd name="hf" fmla="val 105146"/>
+              <a:gd name="vf" fmla="val 110557"/>
+            </a:avLst>
+          </a:prstGeom>
+          <a:solidFill>
+            <a:srgbClr val="FFCC66"/>
+          </a:solidFill>
+        </p:spPr>
+        <p:style>
+          <a:lnRef idx="3">
+            <a:schemeClr val="lt1"/>
+          </a:lnRef>
+          <a:fillRef idx="1">
+            <a:schemeClr val="accent4"/>
+          </a:fillRef>
+          <a:effectRef idx="1">
+            <a:schemeClr val="accent4"/>
+          </a:effectRef>
+          <a:fontRef idx="minor">
+            <a:schemeClr val="lt1"/>
+          </a:fontRef>
+        </p:style>
+        <p:txBody>
+          <a:bodyPr rtlCol="0" anchor="ctr"/>
+          <a:p>
+            <a:pPr algn="ctr"/>
+            <a:endParaRPr lang="zh-CN" altLang="en-US"/>
+          </a:p>
+        </p:txBody>
+      </p:sp>
+      <p:sp>
+        <p:nvSpPr>
+          <p:cNvPr id="6" name="文本框 5"/>
+          <p:cNvSpPr txBox="1"/>
+          <p:nvPr/>
+        </p:nvSpPr>
+        <p:spPr>
+          <a:xfrm>
+            <a:off x="2083435" y="3742055"/>
+            <a:ext cx="4508500" cy="460375"/>
+          </a:xfrm>
+          <a:prstGeom prst="rect">
+            <a:avLst/>
+          </a:prstGeom>
+          <a:noFill/>
+        </p:spPr>
+        <p:txBody>
+          <a:bodyPr wrap="square" rtlCol="0">
+            <a:spAutoFit/>
+          </a:bodyPr>
+          <a:p>
+            <a:r>
+              <a:rPr lang="en-US" altLang="zh-CN" sz="2400"/>
+              <a:t>Database connection</a:t>
+            </a:r>
+            <a:endParaRPr lang="en-US" altLang="zh-CN" sz="2400"/>
+          </a:p>
+        </p:txBody>
+      </p:sp>
+      <p:sp>
+        <p:nvSpPr>
+          <p:cNvPr id="7" name="文本框 6"/>
+          <p:cNvSpPr txBox="1"/>
+          <p:nvPr/>
+        </p:nvSpPr>
+        <p:spPr>
+          <a:xfrm>
+            <a:off x="5617210" y="2013585"/>
+            <a:ext cx="4652645" cy="1923415"/>
+          </a:xfrm>
+          <a:prstGeom prst="rect">
+            <a:avLst/>
+          </a:prstGeom>
+          <a:noFill/>
+        </p:spPr>
+        <p:txBody>
+          <a:bodyPr wrap="square" rtlCol="0">
+            <a:spAutoFit/>
+          </a:bodyPr>
+          <a:p>
+            <a:r>
+              <a:rPr lang="en-US" altLang="zh-CN" sz="2400">
+                <a:latin typeface="Calibri" charset="0"/>
+              </a:rPr>
+              <a:t>T</a:t>
+            </a:r>
+            <a:r>
+              <a:rPr lang="zh-CN" altLang="en-US" sz="2400">
+                <a:latin typeface="Calibri" charset="0"/>
+              </a:rPr>
+              <a:t>his tool connected to the Apache server easily and allowed us to create a database in an organized way. We were able to create user logins with this tool.</a:t>
+            </a:r>
+            <a:endParaRPr lang="zh-CN" altLang="en-US" sz="2400">
+              <a:latin typeface="Calibri" charset="0"/>
+            </a:endParaRPr>
+          </a:p>
+        </p:txBody>
+      </p:sp>
+    </p:spTree>
+  </p:cSld>
+  <p:clrMapOvr>
+    <a:masterClrMapping/>
+  </p:clrMapOvr>
+</p:sld>
+</file>
+
+<file path=ppt/slides/slide7.xml><?xml version="1.0" encoding="utf-8"?>
+<p:sld xmlns:a="http://schemas.openxmlformats.org/drawingml/2006/main" xmlns:r="http://schemas.openxmlformats.org/officeDocument/2006/relationships" xmlns:p="http://schemas.openxmlformats.org/presentationml/2006/main">
+  <p:cSld>
+    <p:bg>
+      <p:bgPr>
+        <a:blipFill rotWithShape="1">
+          <a:blip r:embed="rId1"/>
+          <a:stretch>
+            <a:fillRect/>
+          </a:stretch>
+        </a:blipFill>
+        <a:effectLst/>
+      </p:bgPr>
+    </p:bg>
+    <p:spTree>
+      <p:nvGrpSpPr>
+        <p:cNvPr id="1" name=""/>
+        <p:cNvGrpSpPr/>
+        <p:nvPr/>
+      </p:nvGrpSpPr>
+      <p:grpSpPr/>
+      <p:pic>
+        <p:nvPicPr>
+          <p:cNvPr id="11" name="图片 10" descr="1024px-MySQL_svg"/>
+          <p:cNvPicPr>
+            <a:picLocks noChangeAspect="1"/>
+          </p:cNvPicPr>
+          <p:nvPr/>
+        </p:nvPicPr>
+        <p:blipFill>
+          <a:blip r:embed="rId2"/>
+          <a:stretch>
+            <a:fillRect/>
+          </a:stretch>
+        </p:blipFill>
+        <p:spPr>
+          <a:xfrm>
+            <a:off x="2226310" y="2558415"/>
+            <a:ext cx="1927225" cy="718185"/>
+          </a:xfrm>
+          <a:prstGeom prst="rect">
+            <a:avLst/>
+          </a:prstGeom>
+        </p:spPr>
+      </p:pic>
+      <p:sp>
+        <p:nvSpPr>
+          <p:cNvPr id="5" name="文本框 4"/>
+          <p:cNvSpPr txBox="1"/>
+          <p:nvPr/>
+        </p:nvSpPr>
+        <p:spPr>
+          <a:xfrm>
+            <a:off x="2132965" y="1309370"/>
+            <a:ext cx="2499995" cy="767715"/>
+          </a:xfrm>
+          <a:prstGeom prst="rect">
+            <a:avLst/>
+          </a:prstGeom>
+          <a:noFill/>
+        </p:spPr>
+        <p:txBody>
+          <a:bodyPr wrap="square" rtlCol="0">
+            <a:spAutoFit/>
+          </a:bodyPr>
+          <a:p>
+            <a:r>
+              <a:rPr lang="en-US" altLang="zh-CN" sz="4400"/>
+              <a:t>MySQL</a:t>
+            </a:r>
+            <a:endParaRPr lang="en-US" altLang="zh-CN" sz="4400"/>
+          </a:p>
+        </p:txBody>
+      </p:sp>
+      <p:sp>
+        <p:nvSpPr>
+          <p:cNvPr id="10" name="五角星 9"/>
+          <p:cNvSpPr/>
+          <p:nvPr/>
+        </p:nvSpPr>
+        <p:spPr>
+          <a:xfrm>
+            <a:off x="2672715" y="3818890"/>
+            <a:ext cx="463550" cy="395605"/>
+          </a:xfrm>
+          <a:prstGeom prst="star5">
+            <a:avLst>
+              <a:gd name="adj" fmla="val 19075"/>
+              <a:gd name="hf" fmla="val 105146"/>
+              <a:gd name="vf" fmla="val 110557"/>
+            </a:avLst>
+          </a:prstGeom>
+          <a:solidFill>
+            <a:srgbClr val="FFCC66"/>
+          </a:solidFill>
+        </p:spPr>
+        <p:style>
+          <a:lnRef idx="3">
+            <a:schemeClr val="lt1"/>
+          </a:lnRef>
+          <a:fillRef idx="1">
+            <a:schemeClr val="accent4"/>
+          </a:fillRef>
+          <a:effectRef idx="1">
+            <a:schemeClr val="accent4"/>
+          </a:effectRef>
+          <a:fontRef idx="minor">
+            <a:schemeClr val="lt1"/>
+          </a:fontRef>
+        </p:style>
+        <p:txBody>
+          <a:bodyPr rtlCol="0" anchor="ctr"/>
+          <a:p>
+            <a:pPr algn="ctr"/>
+            <a:endParaRPr lang="zh-CN" altLang="en-US"/>
+          </a:p>
+        </p:txBody>
+      </p:sp>
+      <p:sp>
+        <p:nvSpPr>
+          <p:cNvPr id="6" name="五角星 5"/>
+          <p:cNvSpPr/>
+          <p:nvPr/>
+        </p:nvSpPr>
+        <p:spPr>
+          <a:xfrm>
+            <a:off x="3253105" y="3819525"/>
+            <a:ext cx="463550" cy="395605"/>
+          </a:xfrm>
+          <a:prstGeom prst="star5">
+            <a:avLst>
+              <a:gd name="adj" fmla="val 19075"/>
+              <a:gd name="hf" fmla="val 105146"/>
+              <a:gd name="vf" fmla="val 110557"/>
+            </a:avLst>
+          </a:prstGeom>
+          <a:solidFill>
+            <a:srgbClr val="FFCC66"/>
+          </a:solidFill>
+        </p:spPr>
+        <p:style>
+          <a:lnRef idx="3">
+            <a:schemeClr val="lt1"/>
+          </a:lnRef>
+          <a:fillRef idx="1">
+            <a:schemeClr val="accent4"/>
+          </a:fillRef>
+          <a:effectRef idx="1">
+            <a:schemeClr val="accent4"/>
+          </a:effectRef>
+          <a:fontRef idx="minor">
+            <a:schemeClr val="lt1"/>
+          </a:fontRef>
+        </p:style>
+        <p:txBody>
+          <a:bodyPr rtlCol="0" anchor="ctr"/>
+          <a:p>
+            <a:pPr algn="ctr"/>
+            <a:endParaRPr lang="zh-CN" altLang="en-US"/>
+          </a:p>
+        </p:txBody>
+      </p:sp>
+      <p:sp>
+        <p:nvSpPr>
+          <p:cNvPr id="8" name="文本框 7"/>
+          <p:cNvSpPr txBox="1"/>
+          <p:nvPr/>
+        </p:nvSpPr>
+        <p:spPr>
+          <a:xfrm>
+            <a:off x="5163820" y="1473200"/>
+            <a:ext cx="3985260" cy="1191895"/>
+          </a:xfrm>
+          <a:prstGeom prst="rect">
+            <a:avLst/>
+          </a:prstGeom>
+          <a:noFill/>
+        </p:spPr>
+        <p:txBody>
+          <a:bodyPr wrap="square" rtlCol="0">
+            <a:spAutoFit/>
+          </a:bodyPr>
+          <a:p>
+            <a:r>
+              <a:rPr lang="en-US" altLang="zh-CN" sz="2400">
+                <a:latin typeface="Calibri" charset="0"/>
+              </a:rPr>
+              <a:t>MySQL </a:t>
+            </a:r>
+            <a:r>
+              <a:rPr lang="zh-CN" altLang="en-US" sz="2400">
+                <a:latin typeface="Calibri" charset="0"/>
+              </a:rPr>
+              <a:t>is an open-source relational database management system</a:t>
+            </a:r>
+            <a:endParaRPr lang="zh-CN" altLang="en-US" sz="2400">
+              <a:latin typeface="Calibri" charset="0"/>
+            </a:endParaRPr>
+          </a:p>
+        </p:txBody>
+      </p:sp>
+      <p:sp>
+        <p:nvSpPr>
+          <p:cNvPr id="2" name="文本框 1"/>
+          <p:cNvSpPr txBox="1"/>
+          <p:nvPr/>
+        </p:nvSpPr>
+        <p:spPr>
+          <a:xfrm>
+            <a:off x="5182235" y="3105150"/>
+            <a:ext cx="5263515" cy="1557655"/>
+          </a:xfrm>
+          <a:prstGeom prst="rect">
+            <a:avLst/>
+          </a:prstGeom>
+          <a:noFill/>
+        </p:spPr>
+        <p:txBody>
+          <a:bodyPr wrap="square" rtlCol="0">
+            <a:spAutoFit/>
+          </a:bodyPr>
+          <a:p>
+            <a:pPr algn="l"/>
+            <a:r>
+              <a:rPr lang="zh-CN" altLang="en-US" sz="2400"/>
+              <a:t>It was really easy to work with and we were able to store all of our information in a hassle free way.  It allowed us to organize our food groups into categories.</a:t>
+            </a:r>
+            <a:endParaRPr lang="zh-CN" altLang="en-US" sz="2400"/>
+          </a:p>
+        </p:txBody>
+      </p:sp>
+      <p:sp>
+        <p:nvSpPr>
+          <p:cNvPr id="3" name="五角星 2"/>
+          <p:cNvSpPr/>
+          <p:nvPr/>
+        </p:nvSpPr>
+        <p:spPr>
+          <a:xfrm>
+            <a:off x="2144395" y="3811270"/>
+            <a:ext cx="463550" cy="395605"/>
+          </a:xfrm>
+          <a:prstGeom prst="star5">
+            <a:avLst>
+              <a:gd name="adj" fmla="val 19075"/>
+              <a:gd name="hf" fmla="val 105146"/>
+              <a:gd name="vf" fmla="val 110557"/>
+            </a:avLst>
+          </a:prstGeom>
+          <a:solidFill>
+            <a:srgbClr val="FFCC66"/>
+          </a:solidFill>
+        </p:spPr>
+        <p:style>
+          <a:lnRef idx="3">
+            <a:schemeClr val="lt1"/>
+          </a:lnRef>
+          <a:fillRef idx="1">
+            <a:schemeClr val="accent4"/>
+          </a:fillRef>
+          <a:effectRef idx="1">
+            <a:schemeClr val="accent4"/>
+          </a:effectRef>
+          <a:fontRef idx="minor">
+            <a:schemeClr val="lt1"/>
+          </a:fontRef>
+        </p:style>
+        <p:txBody>
+          <a:bodyPr rtlCol="0" anchor="ctr"/>
+          <a:p>
+            <a:pPr algn="ctr"/>
+            <a:endParaRPr lang="zh-CN" altLang="en-US"/>
+          </a:p>
+        </p:txBody>
+      </p:sp>
+      <p:sp>
+        <p:nvSpPr>
+          <p:cNvPr id="4" name="五角星 3"/>
+          <p:cNvSpPr/>
+          <p:nvPr/>
+        </p:nvSpPr>
+        <p:spPr>
+          <a:xfrm>
+            <a:off x="3814445" y="3820795"/>
+            <a:ext cx="463550" cy="395605"/>
+          </a:xfrm>
+          <a:prstGeom prst="star5">
+            <a:avLst>
+              <a:gd name="adj" fmla="val 19075"/>
+              <a:gd name="hf" fmla="val 105146"/>
+              <a:gd name="vf" fmla="val 110557"/>
+            </a:avLst>
+          </a:prstGeom>
+          <a:solidFill>
+            <a:srgbClr val="FFCC66"/>
+          </a:solidFill>
+        </p:spPr>
+        <p:style>
+          <a:lnRef idx="3">
+            <a:schemeClr val="lt1"/>
+          </a:lnRef>
+          <a:fillRef idx="1">
+            <a:schemeClr val="accent4"/>
+          </a:fillRef>
+          <a:effectRef idx="1">
+            <a:schemeClr val="accent4"/>
+          </a:effectRef>
+          <a:fontRef idx="minor">
+            <a:schemeClr val="lt1"/>
+          </a:fontRef>
+        </p:style>
+        <p:txBody>
+          <a:bodyPr rtlCol="0" anchor="ctr"/>
+          <a:p>
+            <a:pPr algn="ctr"/>
+            <a:endParaRPr lang="zh-CN" altLang="en-US"/>
+          </a:p>
+        </p:txBody>
+      </p:sp>
+    </p:spTree>
+  </p:cSld>
+  <p:clrMapOvr>
+    <a:masterClrMapping/>
+  </p:clrMapOvr>
+</p:sld>
+</file>
+
+<file path=ppt/slides/slide8.xml><?xml version="1.0" encoding="utf-8"?>
+<p:sld xmlns:a="http://schemas.openxmlformats.org/drawingml/2006/main" xmlns:r="http://schemas.openxmlformats.org/officeDocument/2006/relationships" xmlns:p="http://schemas.openxmlformats.org/presentationml/2006/main">
+  <p:cSld>
+    <p:bg>
+      <p:bgPr>
+        <a:blipFill rotWithShape="1">
+          <a:blip r:embed="rId1"/>
+          <a:stretch>
+            <a:fillRect/>
+          </a:stretch>
+        </a:blipFill>
+        <a:effectLst/>
+      </p:bgPr>
+    </p:bg>
+    <p:spTree>
+      <p:nvGrpSpPr>
+        <p:cNvPr id="1" name=""/>
+        <p:cNvGrpSpPr/>
+        <p:nvPr/>
+      </p:nvGrpSpPr>
+      <p:grpSpPr/>
+      <p:sp>
+        <p:nvSpPr>
+          <p:cNvPr id="2" name="文本框 1"/>
+          <p:cNvSpPr txBox="1"/>
+          <p:nvPr/>
+        </p:nvSpPr>
+        <p:spPr>
+          <a:xfrm>
+            <a:off x="2219960" y="1048385"/>
+            <a:ext cx="1824355" cy="1438275"/>
+          </a:xfrm>
+          <a:prstGeom prst="rect">
+            <a:avLst/>
+          </a:prstGeom>
+          <a:noFill/>
+        </p:spPr>
+        <p:txBody>
+          <a:bodyPr wrap="square" rtlCol="0">
+            <a:spAutoFit/>
+          </a:bodyPr>
+          <a:p>
+            <a:r>
+              <a:rPr lang="en-US" sz="4400" dirty="0" err="1" smtClean="0">
+                <a:sym typeface="+mn-ea"/>
+              </a:rPr>
+              <a:t>HTML</a:t>
+            </a:r>
+            <a:endParaRPr lang="en-US" sz="4400" dirty="0" err="1" smtClean="0">
+              <a:sym typeface="+mn-ea"/>
+            </a:endParaRPr>
+          </a:p>
+          <a:p>
+            <a:endParaRPr lang="en-US" altLang="en-US" sz="4400" dirty="0" err="1" smtClean="0">
+              <a:sym typeface="+mn-ea"/>
+            </a:endParaRPr>
+          </a:p>
+        </p:txBody>
+      </p:sp>
+      <p:sp>
+        <p:nvSpPr>
+          <p:cNvPr id="11" name="五角星 10"/>
+          <p:cNvSpPr/>
+          <p:nvPr/>
+        </p:nvSpPr>
+        <p:spPr>
+          <a:xfrm>
+            <a:off x="3590925" y="3665855"/>
+            <a:ext cx="463550" cy="395605"/>
+          </a:xfrm>
+          <a:prstGeom prst="star5">
+            <a:avLst>
+              <a:gd name="adj" fmla="val 19075"/>
+              <a:gd name="hf" fmla="val 105146"/>
+              <a:gd name="vf" fmla="val 110557"/>
+            </a:avLst>
+          </a:prstGeom>
+          <a:solidFill>
+            <a:srgbClr val="FFCC66"/>
+          </a:solidFill>
+        </p:spPr>
+        <p:style>
+          <a:lnRef idx="3">
+            <a:schemeClr val="lt1"/>
+          </a:lnRef>
+          <a:fillRef idx="1">
+            <a:schemeClr val="accent4"/>
+          </a:fillRef>
+          <a:effectRef idx="1">
+            <a:schemeClr val="accent4"/>
+          </a:effectRef>
+          <a:fontRef idx="minor">
+            <a:schemeClr val="lt1"/>
+          </a:fontRef>
+        </p:style>
+        <p:txBody>
+          <a:bodyPr rtlCol="0" anchor="ctr"/>
+          <a:p>
+            <a:pPr algn="ctr"/>
+            <a:endParaRPr lang="zh-CN" altLang="en-US"/>
+          </a:p>
+        </p:txBody>
+      </p:sp>
+      <p:sp>
+        <p:nvSpPr>
+          <p:cNvPr id="13" name="五角星 12"/>
+          <p:cNvSpPr/>
+          <p:nvPr/>
+        </p:nvSpPr>
+        <p:spPr>
+          <a:xfrm>
+            <a:off x="2609850" y="3659505"/>
+            <a:ext cx="463550" cy="395605"/>
+          </a:xfrm>
+          <a:prstGeom prst="star5">
+            <a:avLst>
+              <a:gd name="adj" fmla="val 19075"/>
+              <a:gd name="hf" fmla="val 105146"/>
+              <a:gd name="vf" fmla="val 110557"/>
+            </a:avLst>
+          </a:prstGeom>
+          <a:solidFill>
+            <a:srgbClr val="FFCC66"/>
+          </a:solidFill>
+        </p:spPr>
+        <p:style>
+          <a:lnRef idx="3">
+            <a:schemeClr val="lt1"/>
+          </a:lnRef>
+          <a:fillRef idx="1">
+            <a:schemeClr val="accent4"/>
+          </a:fillRef>
+          <a:effectRef idx="1">
+            <a:schemeClr val="accent4"/>
+          </a:effectRef>
+          <a:fontRef idx="minor">
+            <a:schemeClr val="lt1"/>
+          </a:fontRef>
+        </p:style>
+        <p:txBody>
+          <a:bodyPr rtlCol="0" anchor="ctr"/>
+          <a:p>
+            <a:pPr algn="ctr"/>
+            <a:endParaRPr lang="zh-CN" altLang="en-US"/>
+          </a:p>
+        </p:txBody>
+      </p:sp>
+      <p:sp>
+        <p:nvSpPr>
+          <p:cNvPr id="14" name="五角星 13"/>
+          <p:cNvSpPr/>
+          <p:nvPr/>
+        </p:nvSpPr>
+        <p:spPr>
+          <a:xfrm>
+            <a:off x="3074035" y="3661410"/>
+            <a:ext cx="463550" cy="395605"/>
+          </a:xfrm>
+          <a:prstGeom prst="star5">
+            <a:avLst>
+              <a:gd name="adj" fmla="val 19075"/>
+              <a:gd name="hf" fmla="val 105146"/>
+              <a:gd name="vf" fmla="val 110557"/>
+            </a:avLst>
+          </a:prstGeom>
+          <a:solidFill>
+            <a:srgbClr val="FFCC66"/>
+          </a:solidFill>
+        </p:spPr>
+        <p:style>
+          <a:lnRef idx="3">
+            <a:schemeClr val="lt1"/>
+          </a:lnRef>
+          <a:fillRef idx="1">
+            <a:schemeClr val="accent4"/>
+          </a:fillRef>
+          <a:effectRef idx="1">
+            <a:schemeClr val="accent4"/>
+          </a:effectRef>
+          <a:fontRef idx="minor">
+            <a:schemeClr val="lt1"/>
+          </a:fontRef>
+        </p:style>
+        <p:txBody>
+          <a:bodyPr rtlCol="0" anchor="ctr"/>
+          <a:p>
+            <a:pPr algn="ctr"/>
+            <a:endParaRPr lang="zh-CN" altLang="en-US"/>
+          </a:p>
+        </p:txBody>
+      </p:sp>
+      <p:sp>
+        <p:nvSpPr>
+          <p:cNvPr id="3" name="五角星 2"/>
+          <p:cNvSpPr/>
+          <p:nvPr/>
+        </p:nvSpPr>
+        <p:spPr>
+          <a:xfrm>
+            <a:off x="2076450" y="3660140"/>
+            <a:ext cx="463550" cy="395605"/>
+          </a:xfrm>
+          <a:prstGeom prst="star5">
+            <a:avLst>
+              <a:gd name="adj" fmla="val 19075"/>
+              <a:gd name="hf" fmla="val 105146"/>
+              <a:gd name="vf" fmla="val 110557"/>
+            </a:avLst>
+          </a:prstGeom>
+          <a:solidFill>
+            <a:srgbClr val="FFCC66"/>
+          </a:solidFill>
+        </p:spPr>
+        <p:style>
+          <a:lnRef idx="3">
+            <a:schemeClr val="lt1"/>
+          </a:lnRef>
+          <a:fillRef idx="1">
+            <a:schemeClr val="accent4"/>
+          </a:fillRef>
+          <a:effectRef idx="1">
+            <a:schemeClr val="accent4"/>
+          </a:effectRef>
+          <a:fontRef idx="minor">
+            <a:schemeClr val="lt1"/>
+          </a:fontRef>
+        </p:style>
+        <p:txBody>
+          <a:bodyPr rtlCol="0" anchor="ctr"/>
+          <a:p>
+            <a:pPr algn="ctr"/>
+            <a:endParaRPr lang="zh-CN" altLang="en-US"/>
+          </a:p>
+        </p:txBody>
+      </p:sp>
+      <p:sp>
+        <p:nvSpPr>
+          <p:cNvPr id="5" name="文本框 4"/>
+          <p:cNvSpPr txBox="1"/>
+          <p:nvPr/>
+        </p:nvSpPr>
+        <p:spPr>
+          <a:xfrm>
+            <a:off x="4757420" y="1231900"/>
+            <a:ext cx="5444490" cy="1191895"/>
+          </a:xfrm>
+          <a:prstGeom prst="rect">
+            <a:avLst/>
+          </a:prstGeom>
+          <a:noFill/>
+        </p:spPr>
+        <p:txBody>
+          <a:bodyPr wrap="square" rtlCol="0">
+            <a:spAutoFit/>
+          </a:bodyPr>
+          <a:p>
+            <a:r>
+              <a:rPr lang="zh-CN" altLang="en-US" sz="2400"/>
+              <a:t>HTML is a markup language used for structuring and presenting content on the World Wide Web</a:t>
+            </a:r>
+            <a:endParaRPr lang="zh-CN" altLang="en-US" sz="2400"/>
+          </a:p>
+        </p:txBody>
+      </p:sp>
+      <p:pic>
+        <p:nvPicPr>
+          <p:cNvPr id="6" name="图片 5" descr="%IY{[D8PHG7NEGTD_Y1PG}9"/>
+          <p:cNvPicPr>
+            <a:picLocks noChangeAspect="1"/>
+          </p:cNvPicPr>
+          <p:nvPr/>
+        </p:nvPicPr>
+        <p:blipFill>
+          <a:blip r:embed="rId2"/>
+          <a:stretch>
+            <a:fillRect/>
+          </a:stretch>
+        </p:blipFill>
+        <p:spPr>
+          <a:xfrm>
+            <a:off x="2334260" y="2179320"/>
+            <a:ext cx="1395095" cy="1161415"/>
+          </a:xfrm>
+          <a:prstGeom prst="rect">
+            <a:avLst/>
+          </a:prstGeom>
+        </p:spPr>
+      </p:pic>
+      <p:sp>
+        <p:nvSpPr>
+          <p:cNvPr id="8" name="文本框 7"/>
+          <p:cNvSpPr txBox="1"/>
+          <p:nvPr/>
+        </p:nvSpPr>
+        <p:spPr>
+          <a:xfrm>
+            <a:off x="4711065" y="2980055"/>
+            <a:ext cx="5947410" cy="1923415"/>
+          </a:xfrm>
+          <a:prstGeom prst="rect">
+            <a:avLst/>
+          </a:prstGeom>
+          <a:noFill/>
+        </p:spPr>
+        <p:txBody>
+          <a:bodyPr wrap="square" rtlCol="0">
+            <a:spAutoFit/>
+          </a:bodyPr>
+          <a:p>
+            <a:r>
+              <a:rPr lang="zh-CN" altLang="en-US" sz="2400"/>
+              <a:t>Although HTML was new to all of us in the group, learning it was pretty simple and it allowed us to create a basic website for our calorie tracker. The syntax was fairly simple to use.</a:t>
+            </a:r>
+            <a:endParaRPr lang="zh-CN" altLang="en-US" sz="2400"/>
+          </a:p>
+        </p:txBody>
+      </p:sp>
+    </p:spTree>
+  </p:cSld>
+  <p:clrMapOvr>
+    <a:masterClrMapping/>
+  </p:clrMapOvr>
+</p:sld>
+</file>
+
+<file path=ppt/slides/slide9.xml><?xml version="1.0" encoding="utf-8"?>
+<p:sld xmlns:a="http://schemas.openxmlformats.org/drawingml/2006/main" xmlns:r="http://schemas.openxmlformats.org/officeDocument/2006/relationships" xmlns:p="http://schemas.openxmlformats.org/presentationml/2006/main">
+  <p:cSld>
+    <p:bg>
+      <p:bgPr>
+        <a:blipFill rotWithShape="1">
+          <a:blip r:embed="rId1"/>
+          <a:stretch>
+            <a:fillRect/>
+          </a:stretch>
+        </a:blipFill>
+        <a:effectLst/>
+      </p:bgPr>
+    </p:bg>
+    <p:spTree>
+      <p:nvGrpSpPr>
+        <p:cNvPr id="1" name=""/>
+        <p:cNvGrpSpPr/>
+        <p:nvPr/>
+      </p:nvGrpSpPr>
+      <p:grpSpPr/>
+      <p:sp>
+        <p:nvSpPr>
+          <p:cNvPr id="2" name="文本框 1"/>
+          <p:cNvSpPr txBox="1"/>
+          <p:nvPr/>
+        </p:nvSpPr>
+        <p:spPr>
+          <a:xfrm>
+            <a:off x="1592580" y="1260475"/>
+            <a:ext cx="3890645" cy="645160"/>
+          </a:xfrm>
+          <a:prstGeom prst="rect">
+            <a:avLst/>
+          </a:prstGeom>
+          <a:noFill/>
+        </p:spPr>
+        <p:txBody>
+          <a:bodyPr wrap="square" rtlCol="0">
+            <a:spAutoFit/>
+          </a:bodyPr>
+          <a:p>
+            <a:r>
+              <a:rPr lang="en-US" altLang="zh-CN" sz="3600"/>
+              <a:t>Python Web Server</a:t>
+            </a:r>
+            <a:endParaRPr lang="en-US" altLang="zh-CN" sz="3600"/>
+          </a:p>
+        </p:txBody>
+      </p:sp>
+      <p:pic>
+        <p:nvPicPr>
+          <p:cNvPr id="8" name="图片 7" descr="python-logo-master-v3-TM-flattened"/>
+          <p:cNvPicPr>
+            <a:picLocks noChangeAspect="1"/>
+          </p:cNvPicPr>
+          <p:nvPr/>
+        </p:nvPicPr>
+        <p:blipFill>
+          <a:blip r:embed="rId2"/>
+          <a:stretch>
+            <a:fillRect/>
+          </a:stretch>
+        </p:blipFill>
+        <p:spPr>
+          <a:xfrm>
+            <a:off x="2291715" y="2275840"/>
+            <a:ext cx="2244725" cy="643255"/>
+          </a:xfrm>
+          <a:prstGeom prst="rect">
+            <a:avLst/>
+          </a:prstGeom>
+        </p:spPr>
+      </p:pic>
+      <p:sp>
+        <p:nvSpPr>
+          <p:cNvPr id="11" name="五角星 10"/>
+          <p:cNvSpPr/>
+          <p:nvPr/>
+        </p:nvSpPr>
+        <p:spPr>
+          <a:xfrm>
+            <a:off x="3947160" y="3356610"/>
+            <a:ext cx="463550" cy="395605"/>
+          </a:xfrm>
+          <a:prstGeom prst="star5">
+            <a:avLst>
+              <a:gd name="adj" fmla="val 19075"/>
+              <a:gd name="hf" fmla="val 105146"/>
+              <a:gd name="vf" fmla="val 110557"/>
+            </a:avLst>
+          </a:prstGeom>
+          <a:solidFill>
+            <a:srgbClr val="FFCC66"/>
+          </a:solidFill>
+        </p:spPr>
+        <p:style>
+          <a:lnRef idx="3">
+            <a:schemeClr val="lt1"/>
+          </a:lnRef>
+          <a:fillRef idx="1">
+            <a:schemeClr val="accent4"/>
+          </a:fillRef>
+          <a:effectRef idx="1">
+            <a:schemeClr val="accent4"/>
+          </a:effectRef>
+          <a:fontRef idx="minor">
+            <a:schemeClr val="lt1"/>
+          </a:fontRef>
+        </p:style>
+        <p:txBody>
+          <a:bodyPr rtlCol="0" anchor="ctr"/>
+          <a:p>
+            <a:pPr algn="ctr"/>
+            <a:endParaRPr lang="zh-CN" altLang="en-US"/>
+          </a:p>
+        </p:txBody>
+      </p:sp>
+      <p:sp>
+        <p:nvSpPr>
+          <p:cNvPr id="13" name="五角星 12"/>
+          <p:cNvSpPr/>
+          <p:nvPr/>
+        </p:nvSpPr>
+        <p:spPr>
+          <a:xfrm>
+            <a:off x="2444750" y="3340735"/>
+            <a:ext cx="463550" cy="395605"/>
+          </a:xfrm>
+          <a:prstGeom prst="star5">
+            <a:avLst>
+              <a:gd name="adj" fmla="val 19075"/>
+              <a:gd name="hf" fmla="val 105146"/>
+              <a:gd name="vf" fmla="val 110557"/>
+            </a:avLst>
+          </a:prstGeom>
+          <a:solidFill>
+            <a:srgbClr val="FFCC66"/>
+          </a:solidFill>
+        </p:spPr>
+        <p:style>
+          <a:lnRef idx="3">
+            <a:schemeClr val="lt1"/>
+          </a:lnRef>
+          <a:fillRef idx="1">
+            <a:schemeClr val="accent4"/>
+          </a:fillRef>
+          <a:effectRef idx="1">
+            <a:schemeClr val="accent4"/>
+          </a:effectRef>
+          <a:fontRef idx="minor">
+            <a:schemeClr val="lt1"/>
+          </a:fontRef>
+        </p:style>
+        <p:txBody>
+          <a:bodyPr rtlCol="0" anchor="ctr"/>
+          <a:p>
+            <a:pPr algn="ctr"/>
+            <a:endParaRPr lang="zh-CN" altLang="en-US"/>
+          </a:p>
+        </p:txBody>
+      </p:sp>
+      <p:sp>
+        <p:nvSpPr>
+          <p:cNvPr id="14" name="五角星 13"/>
+          <p:cNvSpPr/>
+          <p:nvPr/>
+        </p:nvSpPr>
+        <p:spPr>
+          <a:xfrm>
+            <a:off x="3199130" y="3352165"/>
+            <a:ext cx="463550" cy="395605"/>
+          </a:xfrm>
+          <a:prstGeom prst="star5">
+            <a:avLst>
+              <a:gd name="adj" fmla="val 19075"/>
+              <a:gd name="hf" fmla="val 105146"/>
+              <a:gd name="vf" fmla="val 110557"/>
+            </a:avLst>
+          </a:prstGeom>
+          <a:solidFill>
+            <a:srgbClr val="FFCC66"/>
+          </a:solidFill>
+        </p:spPr>
+        <p:style>
+          <a:lnRef idx="3">
+            <a:schemeClr val="lt1"/>
+          </a:lnRef>
+          <a:fillRef idx="1">
+            <a:schemeClr val="accent4"/>
+          </a:fillRef>
+          <a:effectRef idx="1">
+            <a:schemeClr val="accent4"/>
+          </a:effectRef>
+          <a:fontRef idx="minor">
+            <a:schemeClr val="lt1"/>
+          </a:fontRef>
+        </p:style>
+        <p:txBody>
+          <a:bodyPr rtlCol="0" anchor="ctr"/>
+          <a:p>
+            <a:pPr algn="ctr"/>
+            <a:endParaRPr lang="zh-CN" altLang="en-US"/>
+          </a:p>
+        </p:txBody>
+      </p:sp>
+      <p:sp>
+        <p:nvSpPr>
+          <p:cNvPr id="5" name="文本框 4"/>
+          <p:cNvSpPr txBox="1"/>
+          <p:nvPr/>
+        </p:nvSpPr>
+        <p:spPr>
+          <a:xfrm>
+            <a:off x="5367020" y="2341880"/>
+            <a:ext cx="4727575" cy="1557655"/>
+          </a:xfrm>
+          <a:prstGeom prst="rect">
+            <a:avLst/>
+          </a:prstGeom>
+          <a:noFill/>
+        </p:spPr>
+        <p:txBody>
+          <a:bodyPr wrap="square" rtlCol="0">
+            <a:spAutoFit/>
+          </a:bodyPr>
+          <a:p>
+            <a:r>
+              <a:rPr lang="zh-CN" altLang="en-US" sz="2400"/>
+              <a:t>We were able to run our website on a local host server, but it didn</a:t>
+            </a:r>
+            <a:r>
+              <a:rPr lang="en-US" altLang="zh-CN" sz="2400"/>
+              <a:t>'</a:t>
+            </a:r>
+            <a:r>
+              <a:rPr lang="zh-CN" altLang="en-US" sz="2400"/>
+              <a:t>t support PHP websites which is a big downside.</a:t>
+            </a:r>
+            <a:endParaRPr lang="zh-CN" altLang="en-US" sz="2400"/>
           </a:p>
         </p:txBody>
       </p:sp>
